--- a/Embedded/Embedded Network Design.pptx
+++ b/Embedded/Embedded Network Design.pptx
@@ -168,7 +168,7 @@
           <a:noFill/>
           <a:extLst>
             <a:ext uri="{909E8E84-426E-40dd-AFC4-6F175D3DCCD1}">
-              <a14:hiddenFill xmlns="" xmlns:a14="http://schemas.microsoft.com/office/drawing/2010/main">
+              <a14:hiddenFill xmlns:a14="http://schemas.microsoft.com/office/drawing/2010/main" xmlns="">
                 <a:solidFill>
                   <a:srgbClr val="FFFFFF"/>
                 </a:solidFill>
@@ -228,7 +228,7 @@
             </a:ln>
             <a:extLst>
               <a:ext uri="{91240B29-F687-4f45-9708-019B960494DF}">
-                <a14:hiddenLine xmlns="" xmlns:a14="http://schemas.microsoft.com/office/drawing/2010/main" w="9525">
+                <a14:hiddenLine xmlns:a14="http://schemas.microsoft.com/office/drawing/2010/main" xmlns="" w="9525">
                   <a:solidFill>
                     <a:srgbClr val="000000"/>
                   </a:solidFill>
@@ -318,7 +318,7 @@
             </a:ln>
             <a:extLst>
               <a:ext uri="{91240B29-F687-4f45-9708-019B960494DF}">
-                <a14:hiddenLine xmlns="" xmlns:a14="http://schemas.microsoft.com/office/drawing/2010/main" w="9525">
+                <a14:hiddenLine xmlns:a14="http://schemas.microsoft.com/office/drawing/2010/main" xmlns="" w="9525">
                   <a:solidFill>
                     <a:srgbClr val="000000"/>
                   </a:solidFill>
@@ -408,7 +408,7 @@
             </a:ln>
             <a:extLst>
               <a:ext uri="{91240B29-F687-4f45-9708-019B960494DF}">
-                <a14:hiddenLine xmlns="" xmlns:a14="http://schemas.microsoft.com/office/drawing/2010/main" w="9525">
+                <a14:hiddenLine xmlns:a14="http://schemas.microsoft.com/office/drawing/2010/main" xmlns="" w="9525">
                   <a:solidFill>
                     <a:srgbClr val="000000"/>
                   </a:solidFill>
@@ -442,7 +442,7 @@
             </a:ln>
             <a:extLst>
               <a:ext uri="{91240B29-F687-4f45-9708-019B960494DF}">
-                <a14:hiddenLine xmlns="" xmlns:a14="http://schemas.microsoft.com/office/drawing/2010/main" w="9525">
+                <a14:hiddenLine xmlns:a14="http://schemas.microsoft.com/office/drawing/2010/main" xmlns="" w="9525">
                   <a:solidFill>
                     <a:srgbClr val="000000"/>
                   </a:solidFill>
@@ -532,7 +532,7 @@
             </a:ln>
             <a:extLst>
               <a:ext uri="{91240B29-F687-4f45-9708-019B960494DF}">
-                <a14:hiddenLine xmlns="" xmlns:a14="http://schemas.microsoft.com/office/drawing/2010/main" w="9525">
+                <a14:hiddenLine xmlns:a14="http://schemas.microsoft.com/office/drawing/2010/main" xmlns="" w="9525">
                   <a:solidFill>
                     <a:srgbClr val="000000"/>
                   </a:solidFill>
@@ -594,7 +594,7 @@
             </a:ln>
             <a:extLst>
               <a:ext uri="{91240B29-F687-4f45-9708-019B960494DF}">
-                <a14:hiddenLine xmlns="" xmlns:a14="http://schemas.microsoft.com/office/drawing/2010/main" w="9525">
+                <a14:hiddenLine xmlns:a14="http://schemas.microsoft.com/office/drawing/2010/main" xmlns="" w="9525">
                   <a:solidFill>
                     <a:srgbClr val="000000"/>
                   </a:solidFill>
@@ -656,7 +656,7 @@
             </a:ln>
             <a:extLst>
               <a:ext uri="{91240B29-F687-4f45-9708-019B960494DF}">
-                <a14:hiddenLine xmlns="" xmlns:a14="http://schemas.microsoft.com/office/drawing/2010/main" w="9525">
+                <a14:hiddenLine xmlns:a14="http://schemas.microsoft.com/office/drawing/2010/main" xmlns="" w="9525">
                   <a:solidFill>
                     <a:srgbClr val="000000"/>
                   </a:solidFill>
@@ -746,7 +746,7 @@
             </a:ln>
             <a:extLst>
               <a:ext uri="{91240B29-F687-4f45-9708-019B960494DF}">
-                <a14:hiddenLine xmlns="" xmlns:a14="http://schemas.microsoft.com/office/drawing/2010/main" w="9525">
+                <a14:hiddenLine xmlns:a14="http://schemas.microsoft.com/office/drawing/2010/main" xmlns="" w="9525">
                   <a:solidFill>
                     <a:srgbClr val="000000"/>
                   </a:solidFill>
@@ -808,7 +808,7 @@
             </a:ln>
             <a:extLst>
               <a:ext uri="{91240B29-F687-4f45-9708-019B960494DF}">
-                <a14:hiddenLine xmlns="" xmlns:a14="http://schemas.microsoft.com/office/drawing/2010/main" w="9525">
+                <a14:hiddenLine xmlns:a14="http://schemas.microsoft.com/office/drawing/2010/main" xmlns="" w="9525">
                   <a:solidFill>
                     <a:srgbClr val="000000"/>
                   </a:solidFill>
@@ -870,7 +870,7 @@
             </a:ln>
             <a:extLst>
               <a:ext uri="{91240B29-F687-4f45-9708-019B960494DF}">
-                <a14:hiddenLine xmlns="" xmlns:a14="http://schemas.microsoft.com/office/drawing/2010/main" w="9525">
+                <a14:hiddenLine xmlns:a14="http://schemas.microsoft.com/office/drawing/2010/main" xmlns="" w="9525">
                   <a:solidFill>
                     <a:srgbClr val="000000"/>
                   </a:solidFill>
@@ -960,7 +960,7 @@
             </a:ln>
             <a:extLst>
               <a:ext uri="{91240B29-F687-4f45-9708-019B960494DF}">
-                <a14:hiddenLine xmlns="" xmlns:a14="http://schemas.microsoft.com/office/drawing/2010/main" w="9525">
+                <a14:hiddenLine xmlns:a14="http://schemas.microsoft.com/office/drawing/2010/main" xmlns="" w="9525">
                   <a:solidFill>
                     <a:srgbClr val="000000"/>
                   </a:solidFill>
@@ -1050,7 +1050,7 @@
             </a:ln>
             <a:extLst>
               <a:ext uri="{91240B29-F687-4f45-9708-019B960494DF}">
-                <a14:hiddenLine xmlns="" xmlns:a14="http://schemas.microsoft.com/office/drawing/2010/main" w="9525">
+                <a14:hiddenLine xmlns:a14="http://schemas.microsoft.com/office/drawing/2010/main" xmlns="" w="9525">
                   <a:solidFill>
                     <a:srgbClr val="000000"/>
                   </a:solidFill>
@@ -1112,7 +1112,7 @@
             </a:ln>
             <a:extLst>
               <a:ext uri="{91240B29-F687-4f45-9708-019B960494DF}">
-                <a14:hiddenLine xmlns="" xmlns:a14="http://schemas.microsoft.com/office/drawing/2010/main" w="9525">
+                <a14:hiddenLine xmlns:a14="http://schemas.microsoft.com/office/drawing/2010/main" xmlns="" w="9525">
                   <a:solidFill>
                     <a:srgbClr val="000000"/>
                   </a:solidFill>
@@ -1222,7 +1222,7 @@
             </a:ln>
             <a:extLst>
               <a:ext uri="{91240B29-F687-4f45-9708-019B960494DF}">
-                <a14:hiddenLine xmlns="" xmlns:a14="http://schemas.microsoft.com/office/drawing/2010/main" w="9525">
+                <a14:hiddenLine xmlns:a14="http://schemas.microsoft.com/office/drawing/2010/main" xmlns="" w="9525">
                   <a:solidFill>
                     <a:srgbClr val="000000"/>
                   </a:solidFill>
@@ -1284,7 +1284,7 @@
             </a:ln>
             <a:extLst>
               <a:ext uri="{91240B29-F687-4f45-9708-019B960494DF}">
-                <a14:hiddenLine xmlns="" xmlns:a14="http://schemas.microsoft.com/office/drawing/2010/main" w="9525">
+                <a14:hiddenLine xmlns:a14="http://schemas.microsoft.com/office/drawing/2010/main" xmlns="" w="9525">
                   <a:solidFill>
                     <a:srgbClr val="000000"/>
                   </a:solidFill>
@@ -1374,7 +1374,7 @@
             </a:ln>
             <a:extLst>
               <a:ext uri="{91240B29-F687-4f45-9708-019B960494DF}">
-                <a14:hiddenLine xmlns="" xmlns:a14="http://schemas.microsoft.com/office/drawing/2010/main" w="9525">
+                <a14:hiddenLine xmlns:a14="http://schemas.microsoft.com/office/drawing/2010/main" xmlns="" w="9525">
                   <a:solidFill>
                     <a:srgbClr val="000000"/>
                   </a:solidFill>
@@ -1464,7 +1464,7 @@
             </a:ln>
             <a:extLst>
               <a:ext uri="{91240B29-F687-4f45-9708-019B960494DF}">
-                <a14:hiddenLine xmlns="" xmlns:a14="http://schemas.microsoft.com/office/drawing/2010/main" w="9525">
+                <a14:hiddenLine xmlns:a14="http://schemas.microsoft.com/office/drawing/2010/main" xmlns="" w="9525">
                   <a:solidFill>
                     <a:srgbClr val="000000"/>
                   </a:solidFill>
@@ -1526,7 +1526,7 @@
             </a:ln>
             <a:extLst>
               <a:ext uri="{91240B29-F687-4f45-9708-019B960494DF}">
-                <a14:hiddenLine xmlns="" xmlns:a14="http://schemas.microsoft.com/office/drawing/2010/main" w="9525">
+                <a14:hiddenLine xmlns:a14="http://schemas.microsoft.com/office/drawing/2010/main" xmlns="" w="9525">
                   <a:solidFill>
                     <a:srgbClr val="000000"/>
                   </a:solidFill>
@@ -1616,7 +1616,7 @@
             </a:ln>
             <a:extLst>
               <a:ext uri="{91240B29-F687-4f45-9708-019B960494DF}">
-                <a14:hiddenLine xmlns="" xmlns:a14="http://schemas.microsoft.com/office/drawing/2010/main" w="9525">
+                <a14:hiddenLine xmlns:a14="http://schemas.microsoft.com/office/drawing/2010/main" xmlns="" w="9525">
                   <a:solidFill>
                     <a:srgbClr val="000000"/>
                   </a:solidFill>
@@ -1706,7 +1706,7 @@
             </a:ln>
             <a:extLst>
               <a:ext uri="{91240B29-F687-4f45-9708-019B960494DF}">
-                <a14:hiddenLine xmlns="" xmlns:a14="http://schemas.microsoft.com/office/drawing/2010/main" w="9525">
+                <a14:hiddenLine xmlns:a14="http://schemas.microsoft.com/office/drawing/2010/main" xmlns="" w="9525">
                   <a:solidFill>
                     <a:srgbClr val="000000"/>
                   </a:solidFill>
@@ -1762,7 +1762,7 @@
             </a:ln>
             <a:extLst>
               <a:ext uri="{91240B29-F687-4f45-9708-019B960494DF}">
-                <a14:hiddenLine xmlns="" xmlns:a14="http://schemas.microsoft.com/office/drawing/2010/main" w="9525">
+                <a14:hiddenLine xmlns:a14="http://schemas.microsoft.com/office/drawing/2010/main" xmlns="" w="9525">
                   <a:solidFill>
                     <a:srgbClr val="000000"/>
                   </a:solidFill>
@@ -1852,7 +1852,7 @@
             </a:ln>
             <a:extLst>
               <a:ext uri="{91240B29-F687-4f45-9708-019B960494DF}">
-                <a14:hiddenLine xmlns="" xmlns:a14="http://schemas.microsoft.com/office/drawing/2010/main" w="9525">
+                <a14:hiddenLine xmlns:a14="http://schemas.microsoft.com/office/drawing/2010/main" xmlns="" w="9525">
                   <a:solidFill>
                     <a:srgbClr val="000000"/>
                   </a:solidFill>
@@ -1908,7 +1908,7 @@
             </a:ln>
             <a:extLst>
               <a:ext uri="{91240B29-F687-4f45-9708-019B960494DF}">
-                <a14:hiddenLine xmlns="" xmlns:a14="http://schemas.microsoft.com/office/drawing/2010/main" w="9525">
+                <a14:hiddenLine xmlns:a14="http://schemas.microsoft.com/office/drawing/2010/main" xmlns="" w="9525">
                   <a:solidFill>
                     <a:srgbClr val="000000"/>
                   </a:solidFill>
@@ -1998,7 +1998,7 @@
             </a:ln>
             <a:extLst>
               <a:ext uri="{91240B29-F687-4f45-9708-019B960494DF}">
-                <a14:hiddenLine xmlns="" xmlns:a14="http://schemas.microsoft.com/office/drawing/2010/main" w="9525">
+                <a14:hiddenLine xmlns:a14="http://schemas.microsoft.com/office/drawing/2010/main" xmlns="" w="9525">
                   <a:solidFill>
                     <a:srgbClr val="000000"/>
                   </a:solidFill>
@@ -2066,7 +2066,7 @@
             </a:ln>
             <a:extLst>
               <a:ext uri="{91240B29-F687-4f45-9708-019B960494DF}">
-                <a14:hiddenLine xmlns="" xmlns:a14="http://schemas.microsoft.com/office/drawing/2010/main" w="9525">
+                <a14:hiddenLine xmlns:a14="http://schemas.microsoft.com/office/drawing/2010/main" xmlns="" w="9525">
                   <a:solidFill>
                     <a:srgbClr val="000000"/>
                   </a:solidFill>
@@ -2156,7 +2156,7 @@
             </a:ln>
             <a:extLst>
               <a:ext uri="{91240B29-F687-4f45-9708-019B960494DF}">
-                <a14:hiddenLine xmlns="" xmlns:a14="http://schemas.microsoft.com/office/drawing/2010/main" w="9525">
+                <a14:hiddenLine xmlns:a14="http://schemas.microsoft.com/office/drawing/2010/main" xmlns="" w="9525">
                   <a:solidFill>
                     <a:srgbClr val="000000"/>
                   </a:solidFill>
@@ -2224,7 +2224,7 @@
             </a:ln>
             <a:extLst>
               <a:ext uri="{91240B29-F687-4f45-9708-019B960494DF}">
-                <a14:hiddenLine xmlns="" xmlns:a14="http://schemas.microsoft.com/office/drawing/2010/main" w="9525">
+                <a14:hiddenLine xmlns:a14="http://schemas.microsoft.com/office/drawing/2010/main" xmlns="" w="9525">
                   <a:solidFill>
                     <a:srgbClr val="000000"/>
                   </a:solidFill>
@@ -2314,7 +2314,7 @@
             </a:ln>
             <a:extLst>
               <a:ext uri="{91240B29-F687-4f45-9708-019B960494DF}">
-                <a14:hiddenLine xmlns="" xmlns:a14="http://schemas.microsoft.com/office/drawing/2010/main" w="9525">
+                <a14:hiddenLine xmlns:a14="http://schemas.microsoft.com/office/drawing/2010/main" xmlns="" w="9525">
                   <a:solidFill>
                     <a:srgbClr val="000000"/>
                   </a:solidFill>
@@ -2348,7 +2348,7 @@
             </a:ln>
             <a:extLst>
               <a:ext uri="{91240B29-F687-4f45-9708-019B960494DF}">
-                <a14:hiddenLine xmlns="" xmlns:a14="http://schemas.microsoft.com/office/drawing/2010/main" w="9525">
+                <a14:hiddenLine xmlns:a14="http://schemas.microsoft.com/office/drawing/2010/main" xmlns="" w="9525">
                   <a:solidFill>
                     <a:srgbClr val="000000"/>
                   </a:solidFill>
@@ -2438,7 +2438,7 @@
             </a:ln>
             <a:extLst>
               <a:ext uri="{91240B29-F687-4f45-9708-019B960494DF}">
-                <a14:hiddenLine xmlns="" xmlns:a14="http://schemas.microsoft.com/office/drawing/2010/main" w="9525">
+                <a14:hiddenLine xmlns:a14="http://schemas.microsoft.com/office/drawing/2010/main" xmlns="" w="9525">
                   <a:solidFill>
                     <a:srgbClr val="000000"/>
                   </a:solidFill>
@@ -2500,7 +2500,7 @@
             </a:ln>
             <a:extLst>
               <a:ext uri="{91240B29-F687-4f45-9708-019B960494DF}">
-                <a14:hiddenLine xmlns="" xmlns:a14="http://schemas.microsoft.com/office/drawing/2010/main" w="9525">
+                <a14:hiddenLine xmlns:a14="http://schemas.microsoft.com/office/drawing/2010/main" xmlns="" w="9525">
                   <a:solidFill>
                     <a:srgbClr val="000000"/>
                   </a:solidFill>
@@ -2562,7 +2562,7 @@
             </a:ln>
             <a:extLst>
               <a:ext uri="{91240B29-F687-4f45-9708-019B960494DF}">
-                <a14:hiddenLine xmlns="" xmlns:a14="http://schemas.microsoft.com/office/drawing/2010/main" w="9525">
+                <a14:hiddenLine xmlns:a14="http://schemas.microsoft.com/office/drawing/2010/main" xmlns="" w="9525">
                   <a:solidFill>
                     <a:srgbClr val="000000"/>
                   </a:solidFill>
@@ -2652,7 +2652,7 @@
             </a:ln>
             <a:extLst>
               <a:ext uri="{91240B29-F687-4f45-9708-019B960494DF}">
-                <a14:hiddenLine xmlns="" xmlns:a14="http://schemas.microsoft.com/office/drawing/2010/main" w="9525">
+                <a14:hiddenLine xmlns:a14="http://schemas.microsoft.com/office/drawing/2010/main" xmlns="" w="9525">
                   <a:solidFill>
                     <a:srgbClr val="000000"/>
                   </a:solidFill>
@@ -2720,7 +2720,7 @@
             </a:ln>
             <a:extLst>
               <a:ext uri="{91240B29-F687-4f45-9708-019B960494DF}">
-                <a14:hiddenLine xmlns="" xmlns:a14="http://schemas.microsoft.com/office/drawing/2010/main" w="9525">
+                <a14:hiddenLine xmlns:a14="http://schemas.microsoft.com/office/drawing/2010/main" xmlns="" w="9525">
                   <a:solidFill>
                     <a:srgbClr val="000000"/>
                   </a:solidFill>
@@ -2782,7 +2782,7 @@
             </a:ln>
             <a:extLst>
               <a:ext uri="{91240B29-F687-4f45-9708-019B960494DF}">
-                <a14:hiddenLine xmlns="" xmlns:a14="http://schemas.microsoft.com/office/drawing/2010/main" w="9525">
+                <a14:hiddenLine xmlns:a14="http://schemas.microsoft.com/office/drawing/2010/main" xmlns="" w="9525">
                   <a:solidFill>
                     <a:srgbClr val="000000"/>
                   </a:solidFill>
@@ -2872,7 +2872,7 @@
             </a:ln>
             <a:extLst>
               <a:ext uri="{91240B29-F687-4f45-9708-019B960494DF}">
-                <a14:hiddenLine xmlns="" xmlns:a14="http://schemas.microsoft.com/office/drawing/2010/main" w="9525">
+                <a14:hiddenLine xmlns:a14="http://schemas.microsoft.com/office/drawing/2010/main" xmlns="" w="9525">
                   <a:solidFill>
                     <a:srgbClr val="000000"/>
                   </a:solidFill>
@@ -2934,7 +2934,7 @@
             </a:ln>
             <a:extLst>
               <a:ext uri="{91240B29-F687-4f45-9708-019B960494DF}">
-                <a14:hiddenLine xmlns="" xmlns:a14="http://schemas.microsoft.com/office/drawing/2010/main" w="9525">
+                <a14:hiddenLine xmlns:a14="http://schemas.microsoft.com/office/drawing/2010/main" xmlns="" w="9525">
                   <a:solidFill>
                     <a:srgbClr val="000000"/>
                   </a:solidFill>
@@ -3024,7 +3024,7 @@
             </a:ln>
             <a:extLst>
               <a:ext uri="{91240B29-F687-4f45-9708-019B960494DF}">
-                <a14:hiddenLine xmlns="" xmlns:a14="http://schemas.microsoft.com/office/drawing/2010/main" w="9525">
+                <a14:hiddenLine xmlns:a14="http://schemas.microsoft.com/office/drawing/2010/main" xmlns="" w="9525">
                   <a:solidFill>
                     <a:srgbClr val="000000"/>
                   </a:solidFill>
@@ -3086,7 +3086,7 @@
             </a:ln>
             <a:extLst>
               <a:ext uri="{91240B29-F687-4f45-9708-019B960494DF}">
-                <a14:hiddenLine xmlns="" xmlns:a14="http://schemas.microsoft.com/office/drawing/2010/main" w="9525">
+                <a14:hiddenLine xmlns:a14="http://schemas.microsoft.com/office/drawing/2010/main" xmlns="" w="9525">
                   <a:solidFill>
                     <a:srgbClr val="000000"/>
                   </a:solidFill>
@@ -3176,7 +3176,7 @@
             </a:ln>
             <a:extLst>
               <a:ext uri="{91240B29-F687-4f45-9708-019B960494DF}">
-                <a14:hiddenLine xmlns="" xmlns:a14="http://schemas.microsoft.com/office/drawing/2010/main" w="9525">
+                <a14:hiddenLine xmlns:a14="http://schemas.microsoft.com/office/drawing/2010/main" xmlns="" w="9525">
                   <a:solidFill>
                     <a:srgbClr val="000000"/>
                   </a:solidFill>
@@ -3210,7 +3210,7 @@
             </a:ln>
             <a:extLst>
               <a:ext uri="{91240B29-F687-4f45-9708-019B960494DF}">
-                <a14:hiddenLine xmlns="" xmlns:a14="http://schemas.microsoft.com/office/drawing/2010/main" w="9525">
+                <a14:hiddenLine xmlns:a14="http://schemas.microsoft.com/office/drawing/2010/main" xmlns="" w="9525">
                   <a:solidFill>
                     <a:srgbClr val="000000"/>
                   </a:solidFill>
@@ -3275,7 +3275,7 @@
             </a:ln>
             <a:extLst>
               <a:ext uri="{91240B29-F687-4f45-9708-019B960494DF}">
-                <a14:hiddenLine xmlns="" xmlns:a14="http://schemas.microsoft.com/office/drawing/2010/main" w="9525">
+                <a14:hiddenLine xmlns:a14="http://schemas.microsoft.com/office/drawing/2010/main" xmlns="" w="9525">
                   <a:solidFill>
                     <a:srgbClr val="000000"/>
                   </a:solidFill>
@@ -3365,7 +3365,7 @@
             </a:ln>
             <a:extLst>
               <a:ext uri="{91240B29-F687-4f45-9708-019B960494DF}">
-                <a14:hiddenLine xmlns="" xmlns:a14="http://schemas.microsoft.com/office/drawing/2010/main" w="9525">
+                <a14:hiddenLine xmlns:a14="http://schemas.microsoft.com/office/drawing/2010/main" xmlns="" w="9525">
                   <a:solidFill>
                     <a:srgbClr val="000000"/>
                   </a:solidFill>
@@ -3427,7 +3427,7 @@
             </a:ln>
             <a:extLst>
               <a:ext uri="{91240B29-F687-4f45-9708-019B960494DF}">
-                <a14:hiddenLine xmlns="" xmlns:a14="http://schemas.microsoft.com/office/drawing/2010/main" w="9525">
+                <a14:hiddenLine xmlns:a14="http://schemas.microsoft.com/office/drawing/2010/main" xmlns="" w="9525">
                   <a:solidFill>
                     <a:srgbClr val="000000"/>
                   </a:solidFill>
@@ -3517,7 +3517,7 @@
             </a:ln>
             <a:extLst>
               <a:ext uri="{91240B29-F687-4f45-9708-019B960494DF}">
-                <a14:hiddenLine xmlns="" xmlns:a14="http://schemas.microsoft.com/office/drawing/2010/main" w="9525">
+                <a14:hiddenLine xmlns:a14="http://schemas.microsoft.com/office/drawing/2010/main" xmlns="" w="9525">
                   <a:solidFill>
                     <a:srgbClr val="000000"/>
                   </a:solidFill>
@@ -3607,7 +3607,7 @@
             </a:ln>
             <a:extLst>
               <a:ext uri="{91240B29-F687-4f45-9708-019B960494DF}">
-                <a14:hiddenLine xmlns="" xmlns:a14="http://schemas.microsoft.com/office/drawing/2010/main" w="9525">
+                <a14:hiddenLine xmlns:a14="http://schemas.microsoft.com/office/drawing/2010/main" xmlns="" w="9525">
                   <a:solidFill>
                     <a:srgbClr val="000000"/>
                   </a:solidFill>
@@ -3672,7 +3672,7 @@
             </a:ln>
             <a:extLst>
               <a:ext uri="{91240B29-F687-4f45-9708-019B960494DF}">
-                <a14:hiddenLine xmlns="" xmlns:a14="http://schemas.microsoft.com/office/drawing/2010/main" w="9525">
+                <a14:hiddenLine xmlns:a14="http://schemas.microsoft.com/office/drawing/2010/main" xmlns="" w="9525">
                   <a:solidFill>
                     <a:srgbClr val="000000"/>
                   </a:solidFill>
@@ -3734,7 +3734,7 @@
             </a:ln>
             <a:extLst>
               <a:ext uri="{91240B29-F687-4f45-9708-019B960494DF}">
-                <a14:hiddenLine xmlns="" xmlns:a14="http://schemas.microsoft.com/office/drawing/2010/main" w="9525">
+                <a14:hiddenLine xmlns:a14="http://schemas.microsoft.com/office/drawing/2010/main" xmlns="" w="9525">
                   <a:solidFill>
                     <a:srgbClr val="000000"/>
                   </a:solidFill>
@@ -3824,7 +3824,7 @@
             </a:ln>
             <a:extLst>
               <a:ext uri="{91240B29-F687-4f45-9708-019B960494DF}">
-                <a14:hiddenLine xmlns="" xmlns:a14="http://schemas.microsoft.com/office/drawing/2010/main" w="9525">
+                <a14:hiddenLine xmlns:a14="http://schemas.microsoft.com/office/drawing/2010/main" xmlns="" w="9525">
                   <a:solidFill>
                     <a:srgbClr val="000000"/>
                   </a:solidFill>
@@ -3914,7 +3914,7 @@
             </a:ln>
             <a:extLst>
               <a:ext uri="{91240B29-F687-4f45-9708-019B960494DF}">
-                <a14:hiddenLine xmlns="" xmlns:a14="http://schemas.microsoft.com/office/drawing/2010/main" w="9525">
+                <a14:hiddenLine xmlns:a14="http://schemas.microsoft.com/office/drawing/2010/main" xmlns="" w="9525">
                   <a:solidFill>
                     <a:srgbClr val="000000"/>
                   </a:solidFill>
@@ -3976,7 +3976,7 @@
             </a:ln>
             <a:extLst>
               <a:ext uri="{91240B29-F687-4f45-9708-019B960494DF}">
-                <a14:hiddenLine xmlns="" xmlns:a14="http://schemas.microsoft.com/office/drawing/2010/main" w="9525">
+                <a14:hiddenLine xmlns:a14="http://schemas.microsoft.com/office/drawing/2010/main" xmlns="" w="9525">
                   <a:solidFill>
                     <a:srgbClr val="000000"/>
                   </a:solidFill>
@@ -4096,7 +4096,7 @@
             </a:ln>
             <a:extLst>
               <a:ext uri="{91240B29-F687-4f45-9708-019B960494DF}">
-                <a14:hiddenLine xmlns="" xmlns:a14="http://schemas.microsoft.com/office/drawing/2010/main" w="9525">
+                <a14:hiddenLine xmlns:a14="http://schemas.microsoft.com/office/drawing/2010/main" xmlns="" w="9525">
                   <a:solidFill>
                     <a:srgbClr val="000000"/>
                   </a:solidFill>
@@ -4164,7 +4164,7 @@
             </a:ln>
             <a:extLst>
               <a:ext uri="{91240B29-F687-4f45-9708-019B960494DF}">
-                <a14:hiddenLine xmlns="" xmlns:a14="http://schemas.microsoft.com/office/drawing/2010/main" w="9525">
+                <a14:hiddenLine xmlns:a14="http://schemas.microsoft.com/office/drawing/2010/main" xmlns="" w="9525">
                   <a:solidFill>
                     <a:srgbClr val="000000"/>
                   </a:solidFill>
@@ -4254,7 +4254,7 @@
             </a:ln>
             <a:extLst>
               <a:ext uri="{91240B29-F687-4f45-9708-019B960494DF}">
-                <a14:hiddenLine xmlns="" xmlns:a14="http://schemas.microsoft.com/office/drawing/2010/main" w="9525">
+                <a14:hiddenLine xmlns:a14="http://schemas.microsoft.com/office/drawing/2010/main" xmlns="" w="9525">
                   <a:solidFill>
                     <a:srgbClr val="000000"/>
                   </a:solidFill>
@@ -4394,7 +4394,7 @@
           <a:p>
             <a:fld id="{AC1EE09D-E7E8-4C46-8584-2F5548DCD08C}" type="datetimeFigureOut">
               <a:rPr lang="en-GB" smtClean="0"/>
-              <a:t>19/03/2019</a:t>
+              <a:t>20/03/2019</a:t>
             </a:fld>
             <a:endParaRPr lang="en-GB"/>
           </a:p>
@@ -4661,7 +4661,7 @@
           <a:p>
             <a:fld id="{AC1EE09D-E7E8-4C46-8584-2F5548DCD08C}" type="datetimeFigureOut">
               <a:rPr lang="en-GB" smtClean="0"/>
-              <a:t>19/03/2019</a:t>
+              <a:t>20/03/2019</a:t>
             </a:fld>
             <a:endParaRPr lang="en-GB"/>
           </a:p>
@@ -4857,7 +4857,7 @@
           <a:p>
             <a:fld id="{AC1EE09D-E7E8-4C46-8584-2F5548DCD08C}" type="datetimeFigureOut">
               <a:rPr lang="en-GB" smtClean="0"/>
-              <a:t>19/03/2019</a:t>
+              <a:t>20/03/2019</a:t>
             </a:fld>
             <a:endParaRPr lang="en-GB"/>
           </a:p>
@@ -5120,7 +5120,7 @@
           <a:p>
             <a:fld id="{AC1EE09D-E7E8-4C46-8584-2F5548DCD08C}" type="datetimeFigureOut">
               <a:rPr lang="en-GB" smtClean="0"/>
-              <a:t>19/03/2019</a:t>
+              <a:t>20/03/2019</a:t>
             </a:fld>
             <a:endParaRPr lang="en-GB"/>
           </a:p>
@@ -5554,7 +5554,7 @@
           <a:p>
             <a:fld id="{AC1EE09D-E7E8-4C46-8584-2F5548DCD08C}" type="datetimeFigureOut">
               <a:rPr lang="en-GB" smtClean="0"/>
-              <a:t>19/03/2019</a:t>
+              <a:t>20/03/2019</a:t>
             </a:fld>
             <a:endParaRPr lang="en-GB"/>
           </a:p>
@@ -6100,7 +6100,7 @@
           <a:p>
             <a:fld id="{AC1EE09D-E7E8-4C46-8584-2F5548DCD08C}" type="datetimeFigureOut">
               <a:rPr lang="en-GB" smtClean="0"/>
-              <a:t>19/03/2019</a:t>
+              <a:t>20/03/2019</a:t>
             </a:fld>
             <a:endParaRPr lang="en-GB"/>
           </a:p>
@@ -6820,7 +6820,7 @@
           <a:p>
             <a:fld id="{AC1EE09D-E7E8-4C46-8584-2F5548DCD08C}" type="datetimeFigureOut">
               <a:rPr lang="en-GB" smtClean="0"/>
-              <a:t>19/03/2019</a:t>
+              <a:t>20/03/2019</a:t>
             </a:fld>
             <a:endParaRPr lang="en-GB"/>
           </a:p>
@@ -6990,7 +6990,7 @@
           <a:p>
             <a:fld id="{AC1EE09D-E7E8-4C46-8584-2F5548DCD08C}" type="datetimeFigureOut">
               <a:rPr lang="en-GB" smtClean="0"/>
-              <a:t>19/03/2019</a:t>
+              <a:t>20/03/2019</a:t>
             </a:fld>
             <a:endParaRPr lang="en-GB"/>
           </a:p>
@@ -7170,7 +7170,7 @@
           <a:p>
             <a:fld id="{AC1EE09D-E7E8-4C46-8584-2F5548DCD08C}" type="datetimeFigureOut">
               <a:rPr lang="en-GB" smtClean="0"/>
-              <a:t>19/03/2019</a:t>
+              <a:t>20/03/2019</a:t>
             </a:fld>
             <a:endParaRPr lang="en-GB"/>
           </a:p>
@@ -7340,7 +7340,7 @@
           <a:p>
             <a:fld id="{AC1EE09D-E7E8-4C46-8584-2F5548DCD08C}" type="datetimeFigureOut">
               <a:rPr lang="en-GB" smtClean="0"/>
-              <a:t>19/03/2019</a:t>
+              <a:t>20/03/2019</a:t>
             </a:fld>
             <a:endParaRPr lang="en-GB"/>
           </a:p>
@@ -7590,7 +7590,7 @@
           <a:p>
             <a:fld id="{AC1EE09D-E7E8-4C46-8584-2F5548DCD08C}" type="datetimeFigureOut">
               <a:rPr lang="en-GB" smtClean="0"/>
-              <a:t>19/03/2019</a:t>
+              <a:t>20/03/2019</a:t>
             </a:fld>
             <a:endParaRPr lang="en-GB"/>
           </a:p>
@@ -7822,7 +7822,7 @@
           <a:p>
             <a:fld id="{AC1EE09D-E7E8-4C46-8584-2F5548DCD08C}" type="datetimeFigureOut">
               <a:rPr lang="en-GB" smtClean="0"/>
-              <a:t>19/03/2019</a:t>
+              <a:t>20/03/2019</a:t>
             </a:fld>
             <a:endParaRPr lang="en-GB"/>
           </a:p>
@@ -8203,7 +8203,7 @@
           <a:p>
             <a:fld id="{AC1EE09D-E7E8-4C46-8584-2F5548DCD08C}" type="datetimeFigureOut">
               <a:rPr lang="en-GB" smtClean="0"/>
-              <a:t>19/03/2019</a:t>
+              <a:t>20/03/2019</a:t>
             </a:fld>
             <a:endParaRPr lang="en-GB"/>
           </a:p>
@@ -8321,7 +8321,7 @@
           <a:p>
             <a:fld id="{AC1EE09D-E7E8-4C46-8584-2F5548DCD08C}" type="datetimeFigureOut">
               <a:rPr lang="en-GB" smtClean="0"/>
-              <a:t>19/03/2019</a:t>
+              <a:t>20/03/2019</a:t>
             </a:fld>
             <a:endParaRPr lang="en-GB"/>
           </a:p>
@@ -8416,7 +8416,7 @@
           <a:p>
             <a:fld id="{AC1EE09D-E7E8-4C46-8584-2F5548DCD08C}" type="datetimeFigureOut">
               <a:rPr lang="en-GB" smtClean="0"/>
-              <a:t>19/03/2019</a:t>
+              <a:t>20/03/2019</a:t>
             </a:fld>
             <a:endParaRPr lang="en-GB"/>
           </a:p>
@@ -8665,7 +8665,7 @@
           <a:p>
             <a:fld id="{AC1EE09D-E7E8-4C46-8584-2F5548DCD08C}" type="datetimeFigureOut">
               <a:rPr lang="en-GB" smtClean="0"/>
-              <a:t>19/03/2019</a:t>
+              <a:t>20/03/2019</a:t>
             </a:fld>
             <a:endParaRPr lang="en-GB"/>
           </a:p>
@@ -8945,7 +8945,7 @@
           <a:p>
             <a:fld id="{AC1EE09D-E7E8-4C46-8584-2F5548DCD08C}" type="datetimeFigureOut">
               <a:rPr lang="en-GB" smtClean="0"/>
-              <a:t>19/03/2019</a:t>
+              <a:t>20/03/2019</a:t>
             </a:fld>
             <a:endParaRPr lang="en-GB"/>
           </a:p>
@@ -9061,7 +9061,7 @@
           <a:noFill/>
           <a:extLst>
             <a:ext uri="{909E8E84-426E-40dd-AFC4-6F175D3DCCD1}">
-              <a14:hiddenFill xmlns="" xmlns:a14="http://schemas.microsoft.com/office/drawing/2010/main">
+              <a14:hiddenFill xmlns:a14="http://schemas.microsoft.com/office/drawing/2010/main" xmlns="">
                 <a:solidFill>
                   <a:srgbClr val="FFFFFF"/>
                 </a:solidFill>
@@ -9135,7 +9135,7 @@
               </a:ln>
               <a:extLst>
                 <a:ext uri="{91240B29-F687-4f45-9708-019B960494DF}">
-                  <a14:hiddenLine xmlns="" xmlns:a14="http://schemas.microsoft.com/office/drawing/2010/main" w="9525">
+                  <a14:hiddenLine xmlns:a14="http://schemas.microsoft.com/office/drawing/2010/main" xmlns="" w="9525">
                     <a:solidFill>
                       <a:srgbClr val="000000"/>
                     </a:solidFill>
@@ -9225,7 +9225,7 @@
               </a:ln>
               <a:extLst>
                 <a:ext uri="{91240B29-F687-4f45-9708-019B960494DF}">
-                  <a14:hiddenLine xmlns="" xmlns:a14="http://schemas.microsoft.com/office/drawing/2010/main" w="9525">
+                  <a14:hiddenLine xmlns:a14="http://schemas.microsoft.com/office/drawing/2010/main" xmlns="" w="9525">
                     <a:solidFill>
                       <a:srgbClr val="000000"/>
                     </a:solidFill>
@@ -9315,7 +9315,7 @@
               </a:ln>
               <a:extLst>
                 <a:ext uri="{91240B29-F687-4f45-9708-019B960494DF}">
-                  <a14:hiddenLine xmlns="" xmlns:a14="http://schemas.microsoft.com/office/drawing/2010/main" w="9525">
+                  <a14:hiddenLine xmlns:a14="http://schemas.microsoft.com/office/drawing/2010/main" xmlns="" w="9525">
                     <a:solidFill>
                       <a:srgbClr val="000000"/>
                     </a:solidFill>
@@ -9377,7 +9377,7 @@
               </a:ln>
               <a:extLst>
                 <a:ext uri="{91240B29-F687-4f45-9708-019B960494DF}">
-                  <a14:hiddenLine xmlns="" xmlns:a14="http://schemas.microsoft.com/office/drawing/2010/main" w="9525">
+                  <a14:hiddenLine xmlns:a14="http://schemas.microsoft.com/office/drawing/2010/main" xmlns="" w="9525">
                     <a:solidFill>
                       <a:srgbClr val="000000"/>
                     </a:solidFill>
@@ -9467,7 +9467,7 @@
               </a:ln>
               <a:extLst>
                 <a:ext uri="{91240B29-F687-4f45-9708-019B960494DF}">
-                  <a14:hiddenLine xmlns="" xmlns:a14="http://schemas.microsoft.com/office/drawing/2010/main" w="9525">
+                  <a14:hiddenLine xmlns:a14="http://schemas.microsoft.com/office/drawing/2010/main" xmlns="" w="9525">
                     <a:solidFill>
                       <a:srgbClr val="000000"/>
                     </a:solidFill>
@@ -9529,7 +9529,7 @@
               </a:ln>
               <a:extLst>
                 <a:ext uri="{91240B29-F687-4f45-9708-019B960494DF}">
-                  <a14:hiddenLine xmlns="" xmlns:a14="http://schemas.microsoft.com/office/drawing/2010/main" w="9525">
+                  <a14:hiddenLine xmlns:a14="http://schemas.microsoft.com/office/drawing/2010/main" xmlns="" w="9525">
                     <a:solidFill>
                       <a:srgbClr val="000000"/>
                     </a:solidFill>
@@ -9591,7 +9591,7 @@
               </a:ln>
               <a:extLst>
                 <a:ext uri="{91240B29-F687-4f45-9708-019B960494DF}">
-                  <a14:hiddenLine xmlns="" xmlns:a14="http://schemas.microsoft.com/office/drawing/2010/main" w="9525">
+                  <a14:hiddenLine xmlns:a14="http://schemas.microsoft.com/office/drawing/2010/main" xmlns="" w="9525">
                     <a:solidFill>
                       <a:srgbClr val="000000"/>
                     </a:solidFill>
@@ -9681,7 +9681,7 @@
               </a:ln>
               <a:extLst>
                 <a:ext uri="{91240B29-F687-4f45-9708-019B960494DF}">
-                  <a14:hiddenLine xmlns="" xmlns:a14="http://schemas.microsoft.com/office/drawing/2010/main" w="9525">
+                  <a14:hiddenLine xmlns:a14="http://schemas.microsoft.com/office/drawing/2010/main" xmlns="" w="9525">
                     <a:solidFill>
                       <a:srgbClr val="000000"/>
                     </a:solidFill>
@@ -9771,7 +9771,7 @@
               </a:ln>
               <a:extLst>
                 <a:ext uri="{91240B29-F687-4f45-9708-019B960494DF}">
-                  <a14:hiddenLine xmlns="" xmlns:a14="http://schemas.microsoft.com/office/drawing/2010/main" w="9525">
+                  <a14:hiddenLine xmlns:a14="http://schemas.microsoft.com/office/drawing/2010/main" xmlns="" w="9525">
                     <a:solidFill>
                       <a:srgbClr val="000000"/>
                     </a:solidFill>
@@ -9833,7 +9833,7 @@
               </a:ln>
               <a:extLst>
                 <a:ext uri="{91240B29-F687-4f45-9708-019B960494DF}">
-                  <a14:hiddenLine xmlns="" xmlns:a14="http://schemas.microsoft.com/office/drawing/2010/main" w="9525">
+                  <a14:hiddenLine xmlns:a14="http://schemas.microsoft.com/office/drawing/2010/main" xmlns="" w="9525">
                     <a:solidFill>
                       <a:srgbClr val="000000"/>
                     </a:solidFill>
@@ -9943,7 +9943,7 @@
               </a:ln>
               <a:extLst>
                 <a:ext uri="{91240B29-F687-4f45-9708-019B960494DF}">
-                  <a14:hiddenLine xmlns="" xmlns:a14="http://schemas.microsoft.com/office/drawing/2010/main" w="9525">
+                  <a14:hiddenLine xmlns:a14="http://schemas.microsoft.com/office/drawing/2010/main" xmlns="" w="9525">
                     <a:solidFill>
                       <a:srgbClr val="000000"/>
                     </a:solidFill>
@@ -10027,7 +10027,7 @@
               </a:ln>
               <a:extLst>
                 <a:ext uri="{91240B29-F687-4f45-9708-019B960494DF}">
-                  <a14:hiddenLine xmlns="" xmlns:a14="http://schemas.microsoft.com/office/drawing/2010/main" w="9525">
+                  <a14:hiddenLine xmlns:a14="http://schemas.microsoft.com/office/drawing/2010/main" xmlns="" w="9525">
                     <a:solidFill>
                       <a:srgbClr val="000000"/>
                     </a:solidFill>
@@ -10089,7 +10089,7 @@
               </a:ln>
               <a:extLst>
                 <a:ext uri="{91240B29-F687-4f45-9708-019B960494DF}">
-                  <a14:hiddenLine xmlns="" xmlns:a14="http://schemas.microsoft.com/office/drawing/2010/main" w="9525">
+                  <a14:hiddenLine xmlns:a14="http://schemas.microsoft.com/office/drawing/2010/main" xmlns="" w="9525">
                     <a:solidFill>
                       <a:srgbClr val="000000"/>
                     </a:solidFill>
@@ -10151,7 +10151,7 @@
               </a:ln>
               <a:extLst>
                 <a:ext uri="{91240B29-F687-4f45-9708-019B960494DF}">
-                  <a14:hiddenLine xmlns="" xmlns:a14="http://schemas.microsoft.com/office/drawing/2010/main" w="9525">
+                  <a14:hiddenLine xmlns:a14="http://schemas.microsoft.com/office/drawing/2010/main" xmlns="" w="9525">
                     <a:solidFill>
                       <a:srgbClr val="000000"/>
                     </a:solidFill>
@@ -10241,7 +10241,7 @@
               </a:ln>
               <a:extLst>
                 <a:ext uri="{91240B29-F687-4f45-9708-019B960494DF}">
-                  <a14:hiddenLine xmlns="" xmlns:a14="http://schemas.microsoft.com/office/drawing/2010/main" w="9525">
+                  <a14:hiddenLine xmlns:a14="http://schemas.microsoft.com/office/drawing/2010/main" xmlns="" w="9525">
                     <a:solidFill>
                       <a:srgbClr val="000000"/>
                     </a:solidFill>
@@ -10275,7 +10275,7 @@
               </a:ln>
               <a:extLst>
                 <a:ext uri="{91240B29-F687-4f45-9708-019B960494DF}">
-                  <a14:hiddenLine xmlns="" xmlns:a14="http://schemas.microsoft.com/office/drawing/2010/main" w="9525">
+                  <a14:hiddenLine xmlns:a14="http://schemas.microsoft.com/office/drawing/2010/main" xmlns="" w="9525">
                     <a:solidFill>
                       <a:srgbClr val="000000"/>
                     </a:solidFill>
@@ -10340,7 +10340,7 @@
               </a:ln>
               <a:extLst>
                 <a:ext uri="{91240B29-F687-4f45-9708-019B960494DF}">
-                  <a14:hiddenLine xmlns="" xmlns:a14="http://schemas.microsoft.com/office/drawing/2010/main" w="9525">
+                  <a14:hiddenLine xmlns:a14="http://schemas.microsoft.com/office/drawing/2010/main" xmlns="" w="9525">
                     <a:solidFill>
                       <a:srgbClr val="000000"/>
                     </a:solidFill>
@@ -10430,7 +10430,7 @@
               </a:ln>
               <a:extLst>
                 <a:ext uri="{91240B29-F687-4f45-9708-019B960494DF}">
-                  <a14:hiddenLine xmlns="" xmlns:a14="http://schemas.microsoft.com/office/drawing/2010/main" w="9525">
+                  <a14:hiddenLine xmlns:a14="http://schemas.microsoft.com/office/drawing/2010/main" xmlns="" w="9525">
                     <a:solidFill>
                       <a:srgbClr val="000000"/>
                     </a:solidFill>
@@ -10492,7 +10492,7 @@
               </a:ln>
               <a:extLst>
                 <a:ext uri="{91240B29-F687-4f45-9708-019B960494DF}">
-                  <a14:hiddenLine xmlns="" xmlns:a14="http://schemas.microsoft.com/office/drawing/2010/main" w="9525">
+                  <a14:hiddenLine xmlns:a14="http://schemas.microsoft.com/office/drawing/2010/main" xmlns="" w="9525">
                     <a:solidFill>
                       <a:srgbClr val="000000"/>
                     </a:solidFill>
@@ -10582,7 +10582,7 @@
               </a:ln>
               <a:extLst>
                 <a:ext uri="{91240B29-F687-4f45-9708-019B960494DF}">
-                  <a14:hiddenLine xmlns="" xmlns:a14="http://schemas.microsoft.com/office/drawing/2010/main" w="9525">
+                  <a14:hiddenLine xmlns:a14="http://schemas.microsoft.com/office/drawing/2010/main" xmlns="" w="9525">
                     <a:solidFill>
                       <a:srgbClr val="000000"/>
                     </a:solidFill>
@@ -10647,7 +10647,7 @@
               </a:ln>
               <a:extLst>
                 <a:ext uri="{91240B29-F687-4f45-9708-019B960494DF}">
-                  <a14:hiddenLine xmlns="" xmlns:a14="http://schemas.microsoft.com/office/drawing/2010/main" w="9525">
+                  <a14:hiddenLine xmlns:a14="http://schemas.microsoft.com/office/drawing/2010/main" xmlns="" w="9525">
                     <a:solidFill>
                       <a:srgbClr val="000000"/>
                     </a:solidFill>
@@ -10709,7 +10709,7 @@
               </a:ln>
               <a:extLst>
                 <a:ext uri="{91240B29-F687-4f45-9708-019B960494DF}">
-                  <a14:hiddenLine xmlns="" xmlns:a14="http://schemas.microsoft.com/office/drawing/2010/main" w="9525">
+                  <a14:hiddenLine xmlns:a14="http://schemas.microsoft.com/office/drawing/2010/main" xmlns="" w="9525">
                     <a:solidFill>
                       <a:srgbClr val="000000"/>
                     </a:solidFill>
@@ -10799,7 +10799,7 @@
               </a:ln>
               <a:extLst>
                 <a:ext uri="{91240B29-F687-4f45-9708-019B960494DF}">
-                  <a14:hiddenLine xmlns="" xmlns:a14="http://schemas.microsoft.com/office/drawing/2010/main" w="9525">
+                  <a14:hiddenLine xmlns:a14="http://schemas.microsoft.com/office/drawing/2010/main" xmlns="" w="9525">
                     <a:solidFill>
                       <a:srgbClr val="000000"/>
                     </a:solidFill>
@@ -10889,7 +10889,7 @@
               </a:ln>
               <a:extLst>
                 <a:ext uri="{91240B29-F687-4f45-9708-019B960494DF}">
-                  <a14:hiddenLine xmlns="" xmlns:a14="http://schemas.microsoft.com/office/drawing/2010/main" w="9525">
+                  <a14:hiddenLine xmlns:a14="http://schemas.microsoft.com/office/drawing/2010/main" xmlns="" w="9525">
                     <a:solidFill>
                       <a:srgbClr val="000000"/>
                     </a:solidFill>
@@ -10954,7 +10954,7 @@
               </a:ln>
               <a:extLst>
                 <a:ext uri="{91240B29-F687-4f45-9708-019B960494DF}">
-                  <a14:hiddenLine xmlns="" xmlns:a14="http://schemas.microsoft.com/office/drawing/2010/main" w="9525">
+                  <a14:hiddenLine xmlns:a14="http://schemas.microsoft.com/office/drawing/2010/main" xmlns="" w="9525">
                     <a:solidFill>
                       <a:srgbClr val="000000"/>
                     </a:solidFill>
@@ -11074,7 +11074,7 @@
               </a:ln>
               <a:extLst>
                 <a:ext uri="{91240B29-F687-4f45-9708-019B960494DF}">
-                  <a14:hiddenLine xmlns="" xmlns:a14="http://schemas.microsoft.com/office/drawing/2010/main" w="9525">
+                  <a14:hiddenLine xmlns:a14="http://schemas.microsoft.com/office/drawing/2010/main" xmlns="" w="9525">
                     <a:solidFill>
                       <a:srgbClr val="000000"/>
                     </a:solidFill>
@@ -11172,7 +11172,7 @@
               </a:ln>
               <a:extLst>
                 <a:ext uri="{91240B29-F687-4f45-9708-019B960494DF}">
-                  <a14:hiddenLine xmlns="" xmlns:a14="http://schemas.microsoft.com/office/drawing/2010/main" w="9525">
+                  <a14:hiddenLine xmlns:a14="http://schemas.microsoft.com/office/drawing/2010/main" xmlns="" w="9525">
                     <a:solidFill>
                       <a:srgbClr val="000000"/>
                     </a:solidFill>
@@ -11287,7 +11287,7 @@
               </a:ln>
               <a:extLst>
                 <a:ext uri="{91240B29-F687-4f45-9708-019B960494DF}">
-                  <a14:hiddenLine xmlns="" xmlns:a14="http://schemas.microsoft.com/office/drawing/2010/main" w="9525">
+                  <a14:hiddenLine xmlns:a14="http://schemas.microsoft.com/office/drawing/2010/main" xmlns="" w="9525">
                     <a:solidFill>
                       <a:srgbClr val="000000"/>
                     </a:solidFill>
@@ -11377,7 +11377,7 @@
               </a:ln>
               <a:extLst>
                 <a:ext uri="{91240B29-F687-4f45-9708-019B960494DF}">
-                  <a14:hiddenLine xmlns="" xmlns:a14="http://schemas.microsoft.com/office/drawing/2010/main" w="9525">
+                  <a14:hiddenLine xmlns:a14="http://schemas.microsoft.com/office/drawing/2010/main" xmlns="" w="9525">
                     <a:solidFill>
                       <a:srgbClr val="000000"/>
                     </a:solidFill>
@@ -11442,7 +11442,7 @@
               </a:ln>
               <a:extLst>
                 <a:ext uri="{91240B29-F687-4f45-9708-019B960494DF}">
-                  <a14:hiddenLine xmlns="" xmlns:a14="http://schemas.microsoft.com/office/drawing/2010/main" w="9525">
+                  <a14:hiddenLine xmlns:a14="http://schemas.microsoft.com/office/drawing/2010/main" xmlns="" w="9525">
                     <a:solidFill>
                       <a:srgbClr val="000000"/>
                     </a:solidFill>
@@ -11532,7 +11532,7 @@
               </a:ln>
               <a:extLst>
                 <a:ext uri="{91240B29-F687-4f45-9708-019B960494DF}">
-                  <a14:hiddenLine xmlns="" xmlns:a14="http://schemas.microsoft.com/office/drawing/2010/main" w="9525">
+                  <a14:hiddenLine xmlns:a14="http://schemas.microsoft.com/office/drawing/2010/main" xmlns="" w="9525">
                     <a:solidFill>
                       <a:srgbClr val="000000"/>
                     </a:solidFill>
@@ -11600,7 +11600,7 @@
               </a:ln>
               <a:extLst>
                 <a:ext uri="{91240B29-F687-4f45-9708-019B960494DF}">
-                  <a14:hiddenLine xmlns="" xmlns:a14="http://schemas.microsoft.com/office/drawing/2010/main" w="9525">
+                  <a14:hiddenLine xmlns:a14="http://schemas.microsoft.com/office/drawing/2010/main" xmlns="" w="9525">
                     <a:solidFill>
                       <a:srgbClr val="000000"/>
                     </a:solidFill>
@@ -11690,7 +11690,7 @@
               </a:ln>
               <a:extLst>
                 <a:ext uri="{91240B29-F687-4f45-9708-019B960494DF}">
-                  <a14:hiddenLine xmlns="" xmlns:a14="http://schemas.microsoft.com/office/drawing/2010/main" w="9525">
+                  <a14:hiddenLine xmlns:a14="http://schemas.microsoft.com/office/drawing/2010/main" xmlns="" w="9525">
                     <a:solidFill>
                       <a:srgbClr val="000000"/>
                     </a:solidFill>
@@ -11758,7 +11758,7 @@
               </a:ln>
               <a:extLst>
                 <a:ext uri="{91240B29-F687-4f45-9708-019B960494DF}">
-                  <a14:hiddenLine xmlns="" xmlns:a14="http://schemas.microsoft.com/office/drawing/2010/main" w="9525">
+                  <a14:hiddenLine xmlns:a14="http://schemas.microsoft.com/office/drawing/2010/main" xmlns="" w="9525">
                     <a:solidFill>
                       <a:srgbClr val="000000"/>
                     </a:solidFill>
@@ -11848,7 +11848,7 @@
               </a:ln>
               <a:extLst>
                 <a:ext uri="{91240B29-F687-4f45-9708-019B960494DF}">
-                  <a14:hiddenLine xmlns="" xmlns:a14="http://schemas.microsoft.com/office/drawing/2010/main" w="9525">
+                  <a14:hiddenLine xmlns:a14="http://schemas.microsoft.com/office/drawing/2010/main" xmlns="" w="9525">
                     <a:solidFill>
                       <a:srgbClr val="000000"/>
                     </a:solidFill>
@@ -11882,7 +11882,7 @@
               </a:ln>
               <a:extLst>
                 <a:ext uri="{91240B29-F687-4f45-9708-019B960494DF}">
-                  <a14:hiddenLine xmlns="" xmlns:a14="http://schemas.microsoft.com/office/drawing/2010/main" w="9525">
+                  <a14:hiddenLine xmlns:a14="http://schemas.microsoft.com/office/drawing/2010/main" xmlns="" w="9525">
                     <a:solidFill>
                       <a:srgbClr val="000000"/>
                     </a:solidFill>
@@ -12022,7 +12022,7 @@
           <a:p>
             <a:fld id="{AC1EE09D-E7E8-4C46-8584-2F5548DCD08C}" type="datetimeFigureOut">
               <a:rPr lang="en-GB" smtClean="0"/>
-              <a:t>19/03/2019</a:t>
+              <a:t>20/03/2019</a:t>
             </a:fld>
             <a:endParaRPr lang="en-GB"/>
           </a:p>
@@ -12797,11 +12797,8 @@
             </a:pPr>
             <a:r>
               <a:rPr lang="en-GB" dirty="0"/>
-              <a:t>Intrusion detection mechanisms and access control</a:t>
+              <a:t>Intrusion detection mechanism</a:t>
             </a:r>
-          </a:p>
-          <a:p>
-            <a:endParaRPr lang="en-GB" dirty="0"/>
           </a:p>
         </p:txBody>
       </p:sp>

--- a/Embedded/Embedded Network Design.pptx
+++ b/Embedded/Embedded Network Design.pptx
@@ -112,7 +112,7 @@
   </p:defaultTextStyle>
   <p:extLst>
     <p:ext uri="{EFAFB233-063F-42B5-8137-9DF3F51BA10A}">
-      <p15:sldGuideLst xmlns:p15="http://schemas.microsoft.com/office/powerpoint/2012/main"/>
+      <p15:sldGuideLst xmlns:p15="http://schemas.microsoft.com/office/powerpoint/2012/main" xmlns=""/>
     </p:ext>
   </p:extLst>
 </p:presentation>
@@ -167,8 +167,8 @@
           </a:prstGeom>
           <a:noFill/>
           <a:extLst>
-            <a:ext uri="{909E8E84-426E-40dd-AFC4-6F175D3DCCD1}">
-              <a14:hiddenFill xmlns:a14="http://schemas.microsoft.com/office/drawing/2010/main" xmlns="">
+            <a:ext uri="{909E8E84-426E-40DD-AFC4-6F175D3DCCD1}">
+              <a14:hiddenFill xmlns:a14="http://schemas.microsoft.com/office/drawing/2010/main">
                 <a:solidFill>
                   <a:srgbClr val="FFFFFF"/>
                 </a:solidFill>
@@ -227,8 +227,8 @@
               <a:noFill/>
             </a:ln>
             <a:extLst>
-              <a:ext uri="{91240B29-F687-4f45-9708-019B960494DF}">
-                <a14:hiddenLine xmlns:a14="http://schemas.microsoft.com/office/drawing/2010/main" xmlns="" w="9525">
+              <a:ext uri="{91240B29-F687-4F45-9708-019B960494DF}">
+                <a14:hiddenLine xmlns:a14="http://schemas.microsoft.com/office/drawing/2010/main" w="9525">
                   <a:solidFill>
                     <a:srgbClr val="000000"/>
                   </a:solidFill>
@@ -317,8 +317,8 @@
               <a:noFill/>
             </a:ln>
             <a:extLst>
-              <a:ext uri="{91240B29-F687-4f45-9708-019B960494DF}">
-                <a14:hiddenLine xmlns:a14="http://schemas.microsoft.com/office/drawing/2010/main" xmlns="" w="9525">
+              <a:ext uri="{91240B29-F687-4F45-9708-019B960494DF}">
+                <a14:hiddenLine xmlns:a14="http://schemas.microsoft.com/office/drawing/2010/main" w="9525">
                   <a:solidFill>
                     <a:srgbClr val="000000"/>
                   </a:solidFill>
@@ -407,8 +407,8 @@
               <a:noFill/>
             </a:ln>
             <a:extLst>
-              <a:ext uri="{91240B29-F687-4f45-9708-019B960494DF}">
-                <a14:hiddenLine xmlns:a14="http://schemas.microsoft.com/office/drawing/2010/main" xmlns="" w="9525">
+              <a:ext uri="{91240B29-F687-4F45-9708-019B960494DF}">
+                <a14:hiddenLine xmlns:a14="http://schemas.microsoft.com/office/drawing/2010/main" w="9525">
                   <a:solidFill>
                     <a:srgbClr val="000000"/>
                   </a:solidFill>
@@ -441,8 +441,8 @@
               <a:noFill/>
             </a:ln>
             <a:extLst>
-              <a:ext uri="{91240B29-F687-4f45-9708-019B960494DF}">
-                <a14:hiddenLine xmlns:a14="http://schemas.microsoft.com/office/drawing/2010/main" xmlns="" w="9525">
+              <a:ext uri="{91240B29-F687-4F45-9708-019B960494DF}">
+                <a14:hiddenLine xmlns:a14="http://schemas.microsoft.com/office/drawing/2010/main" w="9525">
                   <a:solidFill>
                     <a:srgbClr val="000000"/>
                   </a:solidFill>
@@ -531,8 +531,8 @@
               <a:noFill/>
             </a:ln>
             <a:extLst>
-              <a:ext uri="{91240B29-F687-4f45-9708-019B960494DF}">
-                <a14:hiddenLine xmlns:a14="http://schemas.microsoft.com/office/drawing/2010/main" xmlns="" w="9525">
+              <a:ext uri="{91240B29-F687-4F45-9708-019B960494DF}">
+                <a14:hiddenLine xmlns:a14="http://schemas.microsoft.com/office/drawing/2010/main" w="9525">
                   <a:solidFill>
                     <a:srgbClr val="000000"/>
                   </a:solidFill>
@@ -593,8 +593,8 @@
               <a:noFill/>
             </a:ln>
             <a:extLst>
-              <a:ext uri="{91240B29-F687-4f45-9708-019B960494DF}">
-                <a14:hiddenLine xmlns:a14="http://schemas.microsoft.com/office/drawing/2010/main" xmlns="" w="9525">
+              <a:ext uri="{91240B29-F687-4F45-9708-019B960494DF}">
+                <a14:hiddenLine xmlns:a14="http://schemas.microsoft.com/office/drawing/2010/main" w="9525">
                   <a:solidFill>
                     <a:srgbClr val="000000"/>
                   </a:solidFill>
@@ -655,8 +655,8 @@
               <a:noFill/>
             </a:ln>
             <a:extLst>
-              <a:ext uri="{91240B29-F687-4f45-9708-019B960494DF}">
-                <a14:hiddenLine xmlns:a14="http://schemas.microsoft.com/office/drawing/2010/main" xmlns="" w="9525">
+              <a:ext uri="{91240B29-F687-4F45-9708-019B960494DF}">
+                <a14:hiddenLine xmlns:a14="http://schemas.microsoft.com/office/drawing/2010/main" w="9525">
                   <a:solidFill>
                     <a:srgbClr val="000000"/>
                   </a:solidFill>
@@ -745,8 +745,8 @@
               <a:noFill/>
             </a:ln>
             <a:extLst>
-              <a:ext uri="{91240B29-F687-4f45-9708-019B960494DF}">
-                <a14:hiddenLine xmlns:a14="http://schemas.microsoft.com/office/drawing/2010/main" xmlns="" w="9525">
+              <a:ext uri="{91240B29-F687-4F45-9708-019B960494DF}">
+                <a14:hiddenLine xmlns:a14="http://schemas.microsoft.com/office/drawing/2010/main" w="9525">
                   <a:solidFill>
                     <a:srgbClr val="000000"/>
                   </a:solidFill>
@@ -807,8 +807,8 @@
               <a:noFill/>
             </a:ln>
             <a:extLst>
-              <a:ext uri="{91240B29-F687-4f45-9708-019B960494DF}">
-                <a14:hiddenLine xmlns:a14="http://schemas.microsoft.com/office/drawing/2010/main" xmlns="" w="9525">
+              <a:ext uri="{91240B29-F687-4F45-9708-019B960494DF}">
+                <a14:hiddenLine xmlns:a14="http://schemas.microsoft.com/office/drawing/2010/main" w="9525">
                   <a:solidFill>
                     <a:srgbClr val="000000"/>
                   </a:solidFill>
@@ -869,8 +869,8 @@
               <a:noFill/>
             </a:ln>
             <a:extLst>
-              <a:ext uri="{91240B29-F687-4f45-9708-019B960494DF}">
-                <a14:hiddenLine xmlns:a14="http://schemas.microsoft.com/office/drawing/2010/main" xmlns="" w="9525">
+              <a:ext uri="{91240B29-F687-4F45-9708-019B960494DF}">
+                <a14:hiddenLine xmlns:a14="http://schemas.microsoft.com/office/drawing/2010/main" w="9525">
                   <a:solidFill>
                     <a:srgbClr val="000000"/>
                   </a:solidFill>
@@ -959,8 +959,8 @@
               <a:noFill/>
             </a:ln>
             <a:extLst>
-              <a:ext uri="{91240B29-F687-4f45-9708-019B960494DF}">
-                <a14:hiddenLine xmlns:a14="http://schemas.microsoft.com/office/drawing/2010/main" xmlns="" w="9525">
+              <a:ext uri="{91240B29-F687-4F45-9708-019B960494DF}">
+                <a14:hiddenLine xmlns:a14="http://schemas.microsoft.com/office/drawing/2010/main" w="9525">
                   <a:solidFill>
                     <a:srgbClr val="000000"/>
                   </a:solidFill>
@@ -1049,8 +1049,8 @@
               <a:noFill/>
             </a:ln>
             <a:extLst>
-              <a:ext uri="{91240B29-F687-4f45-9708-019B960494DF}">
-                <a14:hiddenLine xmlns:a14="http://schemas.microsoft.com/office/drawing/2010/main" xmlns="" w="9525">
+              <a:ext uri="{91240B29-F687-4F45-9708-019B960494DF}">
+                <a14:hiddenLine xmlns:a14="http://schemas.microsoft.com/office/drawing/2010/main" w="9525">
                   <a:solidFill>
                     <a:srgbClr val="000000"/>
                   </a:solidFill>
@@ -1111,8 +1111,8 @@
               <a:noFill/>
             </a:ln>
             <a:extLst>
-              <a:ext uri="{91240B29-F687-4f45-9708-019B960494DF}">
-                <a14:hiddenLine xmlns:a14="http://schemas.microsoft.com/office/drawing/2010/main" xmlns="" w="9525">
+              <a:ext uri="{91240B29-F687-4F45-9708-019B960494DF}">
+                <a14:hiddenLine xmlns:a14="http://schemas.microsoft.com/office/drawing/2010/main" w="9525">
                   <a:solidFill>
                     <a:srgbClr val="000000"/>
                   </a:solidFill>
@@ -1221,8 +1221,8 @@
               <a:noFill/>
             </a:ln>
             <a:extLst>
-              <a:ext uri="{91240B29-F687-4f45-9708-019B960494DF}">
-                <a14:hiddenLine xmlns:a14="http://schemas.microsoft.com/office/drawing/2010/main" xmlns="" w="9525">
+              <a:ext uri="{91240B29-F687-4F45-9708-019B960494DF}">
+                <a14:hiddenLine xmlns:a14="http://schemas.microsoft.com/office/drawing/2010/main" w="9525">
                   <a:solidFill>
                     <a:srgbClr val="000000"/>
                   </a:solidFill>
@@ -1283,8 +1283,8 @@
               <a:noFill/>
             </a:ln>
             <a:extLst>
-              <a:ext uri="{91240B29-F687-4f45-9708-019B960494DF}">
-                <a14:hiddenLine xmlns:a14="http://schemas.microsoft.com/office/drawing/2010/main" xmlns="" w="9525">
+              <a:ext uri="{91240B29-F687-4F45-9708-019B960494DF}">
+                <a14:hiddenLine xmlns:a14="http://schemas.microsoft.com/office/drawing/2010/main" w="9525">
                   <a:solidFill>
                     <a:srgbClr val="000000"/>
                   </a:solidFill>
@@ -1373,8 +1373,8 @@
               <a:noFill/>
             </a:ln>
             <a:extLst>
-              <a:ext uri="{91240B29-F687-4f45-9708-019B960494DF}">
-                <a14:hiddenLine xmlns:a14="http://schemas.microsoft.com/office/drawing/2010/main" xmlns="" w="9525">
+              <a:ext uri="{91240B29-F687-4F45-9708-019B960494DF}">
+                <a14:hiddenLine xmlns:a14="http://schemas.microsoft.com/office/drawing/2010/main" w="9525">
                   <a:solidFill>
                     <a:srgbClr val="000000"/>
                   </a:solidFill>
@@ -1463,8 +1463,8 @@
               <a:noFill/>
             </a:ln>
             <a:extLst>
-              <a:ext uri="{91240B29-F687-4f45-9708-019B960494DF}">
-                <a14:hiddenLine xmlns:a14="http://schemas.microsoft.com/office/drawing/2010/main" xmlns="" w="9525">
+              <a:ext uri="{91240B29-F687-4F45-9708-019B960494DF}">
+                <a14:hiddenLine xmlns:a14="http://schemas.microsoft.com/office/drawing/2010/main" w="9525">
                   <a:solidFill>
                     <a:srgbClr val="000000"/>
                   </a:solidFill>
@@ -1525,8 +1525,8 @@
               <a:noFill/>
             </a:ln>
             <a:extLst>
-              <a:ext uri="{91240B29-F687-4f45-9708-019B960494DF}">
-                <a14:hiddenLine xmlns:a14="http://schemas.microsoft.com/office/drawing/2010/main" xmlns="" w="9525">
+              <a:ext uri="{91240B29-F687-4F45-9708-019B960494DF}">
+                <a14:hiddenLine xmlns:a14="http://schemas.microsoft.com/office/drawing/2010/main" w="9525">
                   <a:solidFill>
                     <a:srgbClr val="000000"/>
                   </a:solidFill>
@@ -1615,8 +1615,8 @@
               <a:noFill/>
             </a:ln>
             <a:extLst>
-              <a:ext uri="{91240B29-F687-4f45-9708-019B960494DF}">
-                <a14:hiddenLine xmlns:a14="http://schemas.microsoft.com/office/drawing/2010/main" xmlns="" w="9525">
+              <a:ext uri="{91240B29-F687-4F45-9708-019B960494DF}">
+                <a14:hiddenLine xmlns:a14="http://schemas.microsoft.com/office/drawing/2010/main" w="9525">
                   <a:solidFill>
                     <a:srgbClr val="000000"/>
                   </a:solidFill>
@@ -1705,8 +1705,8 @@
               <a:noFill/>
             </a:ln>
             <a:extLst>
-              <a:ext uri="{91240B29-F687-4f45-9708-019B960494DF}">
-                <a14:hiddenLine xmlns:a14="http://schemas.microsoft.com/office/drawing/2010/main" xmlns="" w="9525">
+              <a:ext uri="{91240B29-F687-4F45-9708-019B960494DF}">
+                <a14:hiddenLine xmlns:a14="http://schemas.microsoft.com/office/drawing/2010/main" w="9525">
                   <a:solidFill>
                     <a:srgbClr val="000000"/>
                   </a:solidFill>
@@ -1761,8 +1761,8 @@
               <a:noFill/>
             </a:ln>
             <a:extLst>
-              <a:ext uri="{91240B29-F687-4f45-9708-019B960494DF}">
-                <a14:hiddenLine xmlns:a14="http://schemas.microsoft.com/office/drawing/2010/main" xmlns="" w="9525">
+              <a:ext uri="{91240B29-F687-4F45-9708-019B960494DF}">
+                <a14:hiddenLine xmlns:a14="http://schemas.microsoft.com/office/drawing/2010/main" w="9525">
                   <a:solidFill>
                     <a:srgbClr val="000000"/>
                   </a:solidFill>
@@ -1851,8 +1851,8 @@
               <a:noFill/>
             </a:ln>
             <a:extLst>
-              <a:ext uri="{91240B29-F687-4f45-9708-019B960494DF}">
-                <a14:hiddenLine xmlns:a14="http://schemas.microsoft.com/office/drawing/2010/main" xmlns="" w="9525">
+              <a:ext uri="{91240B29-F687-4F45-9708-019B960494DF}">
+                <a14:hiddenLine xmlns:a14="http://schemas.microsoft.com/office/drawing/2010/main" w="9525">
                   <a:solidFill>
                     <a:srgbClr val="000000"/>
                   </a:solidFill>
@@ -1907,8 +1907,8 @@
               <a:noFill/>
             </a:ln>
             <a:extLst>
-              <a:ext uri="{91240B29-F687-4f45-9708-019B960494DF}">
-                <a14:hiddenLine xmlns:a14="http://schemas.microsoft.com/office/drawing/2010/main" xmlns="" w="9525">
+              <a:ext uri="{91240B29-F687-4F45-9708-019B960494DF}">
+                <a14:hiddenLine xmlns:a14="http://schemas.microsoft.com/office/drawing/2010/main" w="9525">
                   <a:solidFill>
                     <a:srgbClr val="000000"/>
                   </a:solidFill>
@@ -1997,8 +1997,8 @@
               <a:noFill/>
             </a:ln>
             <a:extLst>
-              <a:ext uri="{91240B29-F687-4f45-9708-019B960494DF}">
-                <a14:hiddenLine xmlns:a14="http://schemas.microsoft.com/office/drawing/2010/main" xmlns="" w="9525">
+              <a:ext uri="{91240B29-F687-4F45-9708-019B960494DF}">
+                <a14:hiddenLine xmlns:a14="http://schemas.microsoft.com/office/drawing/2010/main" w="9525">
                   <a:solidFill>
                     <a:srgbClr val="000000"/>
                   </a:solidFill>
@@ -2065,8 +2065,8 @@
               <a:noFill/>
             </a:ln>
             <a:extLst>
-              <a:ext uri="{91240B29-F687-4f45-9708-019B960494DF}">
-                <a14:hiddenLine xmlns:a14="http://schemas.microsoft.com/office/drawing/2010/main" xmlns="" w="9525">
+              <a:ext uri="{91240B29-F687-4F45-9708-019B960494DF}">
+                <a14:hiddenLine xmlns:a14="http://schemas.microsoft.com/office/drawing/2010/main" w="9525">
                   <a:solidFill>
                     <a:srgbClr val="000000"/>
                   </a:solidFill>
@@ -2155,8 +2155,8 @@
               <a:noFill/>
             </a:ln>
             <a:extLst>
-              <a:ext uri="{91240B29-F687-4f45-9708-019B960494DF}">
-                <a14:hiddenLine xmlns:a14="http://schemas.microsoft.com/office/drawing/2010/main" xmlns="" w="9525">
+              <a:ext uri="{91240B29-F687-4F45-9708-019B960494DF}">
+                <a14:hiddenLine xmlns:a14="http://schemas.microsoft.com/office/drawing/2010/main" w="9525">
                   <a:solidFill>
                     <a:srgbClr val="000000"/>
                   </a:solidFill>
@@ -2223,8 +2223,8 @@
               <a:noFill/>
             </a:ln>
             <a:extLst>
-              <a:ext uri="{91240B29-F687-4f45-9708-019B960494DF}">
-                <a14:hiddenLine xmlns:a14="http://schemas.microsoft.com/office/drawing/2010/main" xmlns="" w="9525">
+              <a:ext uri="{91240B29-F687-4F45-9708-019B960494DF}">
+                <a14:hiddenLine xmlns:a14="http://schemas.microsoft.com/office/drawing/2010/main" w="9525">
                   <a:solidFill>
                     <a:srgbClr val="000000"/>
                   </a:solidFill>
@@ -2313,8 +2313,8 @@
               <a:noFill/>
             </a:ln>
             <a:extLst>
-              <a:ext uri="{91240B29-F687-4f45-9708-019B960494DF}">
-                <a14:hiddenLine xmlns:a14="http://schemas.microsoft.com/office/drawing/2010/main" xmlns="" w="9525">
+              <a:ext uri="{91240B29-F687-4F45-9708-019B960494DF}">
+                <a14:hiddenLine xmlns:a14="http://schemas.microsoft.com/office/drawing/2010/main" w="9525">
                   <a:solidFill>
                     <a:srgbClr val="000000"/>
                   </a:solidFill>
@@ -2347,8 +2347,8 @@
               <a:noFill/>
             </a:ln>
             <a:extLst>
-              <a:ext uri="{91240B29-F687-4f45-9708-019B960494DF}">
-                <a14:hiddenLine xmlns:a14="http://schemas.microsoft.com/office/drawing/2010/main" xmlns="" w="9525">
+              <a:ext uri="{91240B29-F687-4F45-9708-019B960494DF}">
+                <a14:hiddenLine xmlns:a14="http://schemas.microsoft.com/office/drawing/2010/main" w="9525">
                   <a:solidFill>
                     <a:srgbClr val="000000"/>
                   </a:solidFill>
@@ -2437,8 +2437,8 @@
               <a:noFill/>
             </a:ln>
             <a:extLst>
-              <a:ext uri="{91240B29-F687-4f45-9708-019B960494DF}">
-                <a14:hiddenLine xmlns:a14="http://schemas.microsoft.com/office/drawing/2010/main" xmlns="" w="9525">
+              <a:ext uri="{91240B29-F687-4F45-9708-019B960494DF}">
+                <a14:hiddenLine xmlns:a14="http://schemas.microsoft.com/office/drawing/2010/main" w="9525">
                   <a:solidFill>
                     <a:srgbClr val="000000"/>
                   </a:solidFill>
@@ -2499,8 +2499,8 @@
               <a:noFill/>
             </a:ln>
             <a:extLst>
-              <a:ext uri="{91240B29-F687-4f45-9708-019B960494DF}">
-                <a14:hiddenLine xmlns:a14="http://schemas.microsoft.com/office/drawing/2010/main" xmlns="" w="9525">
+              <a:ext uri="{91240B29-F687-4F45-9708-019B960494DF}">
+                <a14:hiddenLine xmlns:a14="http://schemas.microsoft.com/office/drawing/2010/main" w="9525">
                   <a:solidFill>
                     <a:srgbClr val="000000"/>
                   </a:solidFill>
@@ -2561,8 +2561,8 @@
               <a:noFill/>
             </a:ln>
             <a:extLst>
-              <a:ext uri="{91240B29-F687-4f45-9708-019B960494DF}">
-                <a14:hiddenLine xmlns:a14="http://schemas.microsoft.com/office/drawing/2010/main" xmlns="" w="9525">
+              <a:ext uri="{91240B29-F687-4F45-9708-019B960494DF}">
+                <a14:hiddenLine xmlns:a14="http://schemas.microsoft.com/office/drawing/2010/main" w="9525">
                   <a:solidFill>
                     <a:srgbClr val="000000"/>
                   </a:solidFill>
@@ -2651,8 +2651,8 @@
               <a:noFill/>
             </a:ln>
             <a:extLst>
-              <a:ext uri="{91240B29-F687-4f45-9708-019B960494DF}">
-                <a14:hiddenLine xmlns:a14="http://schemas.microsoft.com/office/drawing/2010/main" xmlns="" w="9525">
+              <a:ext uri="{91240B29-F687-4F45-9708-019B960494DF}">
+                <a14:hiddenLine xmlns:a14="http://schemas.microsoft.com/office/drawing/2010/main" w="9525">
                   <a:solidFill>
                     <a:srgbClr val="000000"/>
                   </a:solidFill>
@@ -2719,8 +2719,8 @@
               <a:noFill/>
             </a:ln>
             <a:extLst>
-              <a:ext uri="{91240B29-F687-4f45-9708-019B960494DF}">
-                <a14:hiddenLine xmlns:a14="http://schemas.microsoft.com/office/drawing/2010/main" xmlns="" w="9525">
+              <a:ext uri="{91240B29-F687-4F45-9708-019B960494DF}">
+                <a14:hiddenLine xmlns:a14="http://schemas.microsoft.com/office/drawing/2010/main" w="9525">
                   <a:solidFill>
                     <a:srgbClr val="000000"/>
                   </a:solidFill>
@@ -2781,8 +2781,8 @@
               <a:noFill/>
             </a:ln>
             <a:extLst>
-              <a:ext uri="{91240B29-F687-4f45-9708-019B960494DF}">
-                <a14:hiddenLine xmlns:a14="http://schemas.microsoft.com/office/drawing/2010/main" xmlns="" w="9525">
+              <a:ext uri="{91240B29-F687-4F45-9708-019B960494DF}">
+                <a14:hiddenLine xmlns:a14="http://schemas.microsoft.com/office/drawing/2010/main" w="9525">
                   <a:solidFill>
                     <a:srgbClr val="000000"/>
                   </a:solidFill>
@@ -2871,8 +2871,8 @@
               <a:noFill/>
             </a:ln>
             <a:extLst>
-              <a:ext uri="{91240B29-F687-4f45-9708-019B960494DF}">
-                <a14:hiddenLine xmlns:a14="http://schemas.microsoft.com/office/drawing/2010/main" xmlns="" w="9525">
+              <a:ext uri="{91240B29-F687-4F45-9708-019B960494DF}">
+                <a14:hiddenLine xmlns:a14="http://schemas.microsoft.com/office/drawing/2010/main" w="9525">
                   <a:solidFill>
                     <a:srgbClr val="000000"/>
                   </a:solidFill>
@@ -2933,8 +2933,8 @@
               <a:noFill/>
             </a:ln>
             <a:extLst>
-              <a:ext uri="{91240B29-F687-4f45-9708-019B960494DF}">
-                <a14:hiddenLine xmlns:a14="http://schemas.microsoft.com/office/drawing/2010/main" xmlns="" w="9525">
+              <a:ext uri="{91240B29-F687-4F45-9708-019B960494DF}">
+                <a14:hiddenLine xmlns:a14="http://schemas.microsoft.com/office/drawing/2010/main" w="9525">
                   <a:solidFill>
                     <a:srgbClr val="000000"/>
                   </a:solidFill>
@@ -3023,8 +3023,8 @@
               <a:noFill/>
             </a:ln>
             <a:extLst>
-              <a:ext uri="{91240B29-F687-4f45-9708-019B960494DF}">
-                <a14:hiddenLine xmlns:a14="http://schemas.microsoft.com/office/drawing/2010/main" xmlns="" w="9525">
+              <a:ext uri="{91240B29-F687-4F45-9708-019B960494DF}">
+                <a14:hiddenLine xmlns:a14="http://schemas.microsoft.com/office/drawing/2010/main" w="9525">
                   <a:solidFill>
                     <a:srgbClr val="000000"/>
                   </a:solidFill>
@@ -3085,8 +3085,8 @@
               <a:noFill/>
             </a:ln>
             <a:extLst>
-              <a:ext uri="{91240B29-F687-4f45-9708-019B960494DF}">
-                <a14:hiddenLine xmlns:a14="http://schemas.microsoft.com/office/drawing/2010/main" xmlns="" w="9525">
+              <a:ext uri="{91240B29-F687-4F45-9708-019B960494DF}">
+                <a14:hiddenLine xmlns:a14="http://schemas.microsoft.com/office/drawing/2010/main" w="9525">
                   <a:solidFill>
                     <a:srgbClr val="000000"/>
                   </a:solidFill>
@@ -3175,8 +3175,8 @@
               <a:noFill/>
             </a:ln>
             <a:extLst>
-              <a:ext uri="{91240B29-F687-4f45-9708-019B960494DF}">
-                <a14:hiddenLine xmlns:a14="http://schemas.microsoft.com/office/drawing/2010/main" xmlns="" w="9525">
+              <a:ext uri="{91240B29-F687-4F45-9708-019B960494DF}">
+                <a14:hiddenLine xmlns:a14="http://schemas.microsoft.com/office/drawing/2010/main" w="9525">
                   <a:solidFill>
                     <a:srgbClr val="000000"/>
                   </a:solidFill>
@@ -3209,8 +3209,8 @@
               <a:noFill/>
             </a:ln>
             <a:extLst>
-              <a:ext uri="{91240B29-F687-4f45-9708-019B960494DF}">
-                <a14:hiddenLine xmlns:a14="http://schemas.microsoft.com/office/drawing/2010/main" xmlns="" w="9525">
+              <a:ext uri="{91240B29-F687-4F45-9708-019B960494DF}">
+                <a14:hiddenLine xmlns:a14="http://schemas.microsoft.com/office/drawing/2010/main" w="9525">
                   <a:solidFill>
                     <a:srgbClr val="000000"/>
                   </a:solidFill>
@@ -3274,8 +3274,8 @@
               <a:noFill/>
             </a:ln>
             <a:extLst>
-              <a:ext uri="{91240B29-F687-4f45-9708-019B960494DF}">
-                <a14:hiddenLine xmlns:a14="http://schemas.microsoft.com/office/drawing/2010/main" xmlns="" w="9525">
+              <a:ext uri="{91240B29-F687-4F45-9708-019B960494DF}">
+                <a14:hiddenLine xmlns:a14="http://schemas.microsoft.com/office/drawing/2010/main" w="9525">
                   <a:solidFill>
                     <a:srgbClr val="000000"/>
                   </a:solidFill>
@@ -3364,8 +3364,8 @@
               <a:noFill/>
             </a:ln>
             <a:extLst>
-              <a:ext uri="{91240B29-F687-4f45-9708-019B960494DF}">
-                <a14:hiddenLine xmlns:a14="http://schemas.microsoft.com/office/drawing/2010/main" xmlns="" w="9525">
+              <a:ext uri="{91240B29-F687-4F45-9708-019B960494DF}">
+                <a14:hiddenLine xmlns:a14="http://schemas.microsoft.com/office/drawing/2010/main" w="9525">
                   <a:solidFill>
                     <a:srgbClr val="000000"/>
                   </a:solidFill>
@@ -3426,8 +3426,8 @@
               <a:noFill/>
             </a:ln>
             <a:extLst>
-              <a:ext uri="{91240B29-F687-4f45-9708-019B960494DF}">
-                <a14:hiddenLine xmlns:a14="http://schemas.microsoft.com/office/drawing/2010/main" xmlns="" w="9525">
+              <a:ext uri="{91240B29-F687-4F45-9708-019B960494DF}">
+                <a14:hiddenLine xmlns:a14="http://schemas.microsoft.com/office/drawing/2010/main" w="9525">
                   <a:solidFill>
                     <a:srgbClr val="000000"/>
                   </a:solidFill>
@@ -3516,8 +3516,8 @@
               <a:noFill/>
             </a:ln>
             <a:extLst>
-              <a:ext uri="{91240B29-F687-4f45-9708-019B960494DF}">
-                <a14:hiddenLine xmlns:a14="http://schemas.microsoft.com/office/drawing/2010/main" xmlns="" w="9525">
+              <a:ext uri="{91240B29-F687-4F45-9708-019B960494DF}">
+                <a14:hiddenLine xmlns:a14="http://schemas.microsoft.com/office/drawing/2010/main" w="9525">
                   <a:solidFill>
                     <a:srgbClr val="000000"/>
                   </a:solidFill>
@@ -3606,8 +3606,8 @@
               <a:noFill/>
             </a:ln>
             <a:extLst>
-              <a:ext uri="{91240B29-F687-4f45-9708-019B960494DF}">
-                <a14:hiddenLine xmlns:a14="http://schemas.microsoft.com/office/drawing/2010/main" xmlns="" w="9525">
+              <a:ext uri="{91240B29-F687-4F45-9708-019B960494DF}">
+                <a14:hiddenLine xmlns:a14="http://schemas.microsoft.com/office/drawing/2010/main" w="9525">
                   <a:solidFill>
                     <a:srgbClr val="000000"/>
                   </a:solidFill>
@@ -3671,8 +3671,8 @@
               <a:noFill/>
             </a:ln>
             <a:extLst>
-              <a:ext uri="{91240B29-F687-4f45-9708-019B960494DF}">
-                <a14:hiddenLine xmlns:a14="http://schemas.microsoft.com/office/drawing/2010/main" xmlns="" w="9525">
+              <a:ext uri="{91240B29-F687-4F45-9708-019B960494DF}">
+                <a14:hiddenLine xmlns:a14="http://schemas.microsoft.com/office/drawing/2010/main" w="9525">
                   <a:solidFill>
                     <a:srgbClr val="000000"/>
                   </a:solidFill>
@@ -3733,8 +3733,8 @@
               <a:noFill/>
             </a:ln>
             <a:extLst>
-              <a:ext uri="{91240B29-F687-4f45-9708-019B960494DF}">
-                <a14:hiddenLine xmlns:a14="http://schemas.microsoft.com/office/drawing/2010/main" xmlns="" w="9525">
+              <a:ext uri="{91240B29-F687-4F45-9708-019B960494DF}">
+                <a14:hiddenLine xmlns:a14="http://schemas.microsoft.com/office/drawing/2010/main" w="9525">
                   <a:solidFill>
                     <a:srgbClr val="000000"/>
                   </a:solidFill>
@@ -3823,8 +3823,8 @@
               <a:noFill/>
             </a:ln>
             <a:extLst>
-              <a:ext uri="{91240B29-F687-4f45-9708-019B960494DF}">
-                <a14:hiddenLine xmlns:a14="http://schemas.microsoft.com/office/drawing/2010/main" xmlns="" w="9525">
+              <a:ext uri="{91240B29-F687-4F45-9708-019B960494DF}">
+                <a14:hiddenLine xmlns:a14="http://schemas.microsoft.com/office/drawing/2010/main" w="9525">
                   <a:solidFill>
                     <a:srgbClr val="000000"/>
                   </a:solidFill>
@@ -3913,8 +3913,8 @@
               <a:noFill/>
             </a:ln>
             <a:extLst>
-              <a:ext uri="{91240B29-F687-4f45-9708-019B960494DF}">
-                <a14:hiddenLine xmlns:a14="http://schemas.microsoft.com/office/drawing/2010/main" xmlns="" w="9525">
+              <a:ext uri="{91240B29-F687-4F45-9708-019B960494DF}">
+                <a14:hiddenLine xmlns:a14="http://schemas.microsoft.com/office/drawing/2010/main" w="9525">
                   <a:solidFill>
                     <a:srgbClr val="000000"/>
                   </a:solidFill>
@@ -3975,8 +3975,8 @@
               <a:noFill/>
             </a:ln>
             <a:extLst>
-              <a:ext uri="{91240B29-F687-4f45-9708-019B960494DF}">
-                <a14:hiddenLine xmlns:a14="http://schemas.microsoft.com/office/drawing/2010/main" xmlns="" w="9525">
+              <a:ext uri="{91240B29-F687-4F45-9708-019B960494DF}">
+                <a14:hiddenLine xmlns:a14="http://schemas.microsoft.com/office/drawing/2010/main" w="9525">
                   <a:solidFill>
                     <a:srgbClr val="000000"/>
                   </a:solidFill>
@@ -4095,8 +4095,8 @@
               <a:noFill/>
             </a:ln>
             <a:extLst>
-              <a:ext uri="{91240B29-F687-4f45-9708-019B960494DF}">
-                <a14:hiddenLine xmlns:a14="http://schemas.microsoft.com/office/drawing/2010/main" xmlns="" w="9525">
+              <a:ext uri="{91240B29-F687-4F45-9708-019B960494DF}">
+                <a14:hiddenLine xmlns:a14="http://schemas.microsoft.com/office/drawing/2010/main" w="9525">
                   <a:solidFill>
                     <a:srgbClr val="000000"/>
                   </a:solidFill>
@@ -4163,8 +4163,8 @@
               <a:noFill/>
             </a:ln>
             <a:extLst>
-              <a:ext uri="{91240B29-F687-4f45-9708-019B960494DF}">
-                <a14:hiddenLine xmlns:a14="http://schemas.microsoft.com/office/drawing/2010/main" xmlns="" w="9525">
+              <a:ext uri="{91240B29-F687-4F45-9708-019B960494DF}">
+                <a14:hiddenLine xmlns:a14="http://schemas.microsoft.com/office/drawing/2010/main" w="9525">
                   <a:solidFill>
                     <a:srgbClr val="000000"/>
                   </a:solidFill>
@@ -4253,8 +4253,8 @@
               <a:noFill/>
             </a:ln>
             <a:extLst>
-              <a:ext uri="{91240B29-F687-4f45-9708-019B960494DF}">
-                <a14:hiddenLine xmlns:a14="http://schemas.microsoft.com/office/drawing/2010/main" xmlns="" w="9525">
+              <a:ext uri="{91240B29-F687-4F45-9708-019B960494DF}">
+                <a14:hiddenLine xmlns:a14="http://schemas.microsoft.com/office/drawing/2010/main" w="9525">
                   <a:solidFill>
                     <a:srgbClr val="000000"/>
                   </a:solidFill>
@@ -9060,8 +9060,8 @@
           </a:prstGeom>
           <a:noFill/>
           <a:extLst>
-            <a:ext uri="{909E8E84-426E-40dd-AFC4-6F175D3DCCD1}">
-              <a14:hiddenFill xmlns:a14="http://schemas.microsoft.com/office/drawing/2010/main" xmlns="">
+            <a:ext uri="{909E8E84-426E-40DD-AFC4-6F175D3DCCD1}">
+              <a14:hiddenFill xmlns:a14="http://schemas.microsoft.com/office/drawing/2010/main">
                 <a:solidFill>
                   <a:srgbClr val="FFFFFF"/>
                 </a:solidFill>
@@ -9134,8 +9134,8 @@
                 <a:noFill/>
               </a:ln>
               <a:extLst>
-                <a:ext uri="{91240B29-F687-4f45-9708-019B960494DF}">
-                  <a14:hiddenLine xmlns:a14="http://schemas.microsoft.com/office/drawing/2010/main" xmlns="" w="9525">
+                <a:ext uri="{91240B29-F687-4F45-9708-019B960494DF}">
+                  <a14:hiddenLine xmlns:a14="http://schemas.microsoft.com/office/drawing/2010/main" w="9525">
                     <a:solidFill>
                       <a:srgbClr val="000000"/>
                     </a:solidFill>
@@ -9224,8 +9224,8 @@
                 <a:noFill/>
               </a:ln>
               <a:extLst>
-                <a:ext uri="{91240B29-F687-4f45-9708-019B960494DF}">
-                  <a14:hiddenLine xmlns:a14="http://schemas.microsoft.com/office/drawing/2010/main" xmlns="" w="9525">
+                <a:ext uri="{91240B29-F687-4F45-9708-019B960494DF}">
+                  <a14:hiddenLine xmlns:a14="http://schemas.microsoft.com/office/drawing/2010/main" w="9525">
                     <a:solidFill>
                       <a:srgbClr val="000000"/>
                     </a:solidFill>
@@ -9314,8 +9314,8 @@
                 <a:noFill/>
               </a:ln>
               <a:extLst>
-                <a:ext uri="{91240B29-F687-4f45-9708-019B960494DF}">
-                  <a14:hiddenLine xmlns:a14="http://schemas.microsoft.com/office/drawing/2010/main" xmlns="" w="9525">
+                <a:ext uri="{91240B29-F687-4F45-9708-019B960494DF}">
+                  <a14:hiddenLine xmlns:a14="http://schemas.microsoft.com/office/drawing/2010/main" w="9525">
                     <a:solidFill>
                       <a:srgbClr val="000000"/>
                     </a:solidFill>
@@ -9376,8 +9376,8 @@
                 <a:noFill/>
               </a:ln>
               <a:extLst>
-                <a:ext uri="{91240B29-F687-4f45-9708-019B960494DF}">
-                  <a14:hiddenLine xmlns:a14="http://schemas.microsoft.com/office/drawing/2010/main" xmlns="" w="9525">
+                <a:ext uri="{91240B29-F687-4F45-9708-019B960494DF}">
+                  <a14:hiddenLine xmlns:a14="http://schemas.microsoft.com/office/drawing/2010/main" w="9525">
                     <a:solidFill>
                       <a:srgbClr val="000000"/>
                     </a:solidFill>
@@ -9466,8 +9466,8 @@
                 <a:noFill/>
               </a:ln>
               <a:extLst>
-                <a:ext uri="{91240B29-F687-4f45-9708-019B960494DF}">
-                  <a14:hiddenLine xmlns:a14="http://schemas.microsoft.com/office/drawing/2010/main" xmlns="" w="9525">
+                <a:ext uri="{91240B29-F687-4F45-9708-019B960494DF}">
+                  <a14:hiddenLine xmlns:a14="http://schemas.microsoft.com/office/drawing/2010/main" w="9525">
                     <a:solidFill>
                       <a:srgbClr val="000000"/>
                     </a:solidFill>
@@ -9528,8 +9528,8 @@
                 <a:noFill/>
               </a:ln>
               <a:extLst>
-                <a:ext uri="{91240B29-F687-4f45-9708-019B960494DF}">
-                  <a14:hiddenLine xmlns:a14="http://schemas.microsoft.com/office/drawing/2010/main" xmlns="" w="9525">
+                <a:ext uri="{91240B29-F687-4F45-9708-019B960494DF}">
+                  <a14:hiddenLine xmlns:a14="http://schemas.microsoft.com/office/drawing/2010/main" w="9525">
                     <a:solidFill>
                       <a:srgbClr val="000000"/>
                     </a:solidFill>
@@ -9590,8 +9590,8 @@
                 <a:noFill/>
               </a:ln>
               <a:extLst>
-                <a:ext uri="{91240B29-F687-4f45-9708-019B960494DF}">
-                  <a14:hiddenLine xmlns:a14="http://schemas.microsoft.com/office/drawing/2010/main" xmlns="" w="9525">
+                <a:ext uri="{91240B29-F687-4F45-9708-019B960494DF}">
+                  <a14:hiddenLine xmlns:a14="http://schemas.microsoft.com/office/drawing/2010/main" w="9525">
                     <a:solidFill>
                       <a:srgbClr val="000000"/>
                     </a:solidFill>
@@ -9680,8 +9680,8 @@
                 <a:noFill/>
               </a:ln>
               <a:extLst>
-                <a:ext uri="{91240B29-F687-4f45-9708-019B960494DF}">
-                  <a14:hiddenLine xmlns:a14="http://schemas.microsoft.com/office/drawing/2010/main" xmlns="" w="9525">
+                <a:ext uri="{91240B29-F687-4F45-9708-019B960494DF}">
+                  <a14:hiddenLine xmlns:a14="http://schemas.microsoft.com/office/drawing/2010/main" w="9525">
                     <a:solidFill>
                       <a:srgbClr val="000000"/>
                     </a:solidFill>
@@ -9770,8 +9770,8 @@
                 <a:noFill/>
               </a:ln>
               <a:extLst>
-                <a:ext uri="{91240B29-F687-4f45-9708-019B960494DF}">
-                  <a14:hiddenLine xmlns:a14="http://schemas.microsoft.com/office/drawing/2010/main" xmlns="" w="9525">
+                <a:ext uri="{91240B29-F687-4F45-9708-019B960494DF}">
+                  <a14:hiddenLine xmlns:a14="http://schemas.microsoft.com/office/drawing/2010/main" w="9525">
                     <a:solidFill>
                       <a:srgbClr val="000000"/>
                     </a:solidFill>
@@ -9832,8 +9832,8 @@
                 <a:noFill/>
               </a:ln>
               <a:extLst>
-                <a:ext uri="{91240B29-F687-4f45-9708-019B960494DF}">
-                  <a14:hiddenLine xmlns:a14="http://schemas.microsoft.com/office/drawing/2010/main" xmlns="" w="9525">
+                <a:ext uri="{91240B29-F687-4F45-9708-019B960494DF}">
+                  <a14:hiddenLine xmlns:a14="http://schemas.microsoft.com/office/drawing/2010/main" w="9525">
                     <a:solidFill>
                       <a:srgbClr val="000000"/>
                     </a:solidFill>
@@ -9942,8 +9942,8 @@
                 <a:noFill/>
               </a:ln>
               <a:extLst>
-                <a:ext uri="{91240B29-F687-4f45-9708-019B960494DF}">
-                  <a14:hiddenLine xmlns:a14="http://schemas.microsoft.com/office/drawing/2010/main" xmlns="" w="9525">
+                <a:ext uri="{91240B29-F687-4F45-9708-019B960494DF}">
+                  <a14:hiddenLine xmlns:a14="http://schemas.microsoft.com/office/drawing/2010/main" w="9525">
                     <a:solidFill>
                       <a:srgbClr val="000000"/>
                     </a:solidFill>
@@ -10026,8 +10026,8 @@
                 <a:noFill/>
               </a:ln>
               <a:extLst>
-                <a:ext uri="{91240B29-F687-4f45-9708-019B960494DF}">
-                  <a14:hiddenLine xmlns:a14="http://schemas.microsoft.com/office/drawing/2010/main" xmlns="" w="9525">
+                <a:ext uri="{91240B29-F687-4F45-9708-019B960494DF}">
+                  <a14:hiddenLine xmlns:a14="http://schemas.microsoft.com/office/drawing/2010/main" w="9525">
                     <a:solidFill>
                       <a:srgbClr val="000000"/>
                     </a:solidFill>
@@ -10088,8 +10088,8 @@
                 <a:noFill/>
               </a:ln>
               <a:extLst>
-                <a:ext uri="{91240B29-F687-4f45-9708-019B960494DF}">
-                  <a14:hiddenLine xmlns:a14="http://schemas.microsoft.com/office/drawing/2010/main" xmlns="" w="9525">
+                <a:ext uri="{91240B29-F687-4F45-9708-019B960494DF}">
+                  <a14:hiddenLine xmlns:a14="http://schemas.microsoft.com/office/drawing/2010/main" w="9525">
                     <a:solidFill>
                       <a:srgbClr val="000000"/>
                     </a:solidFill>
@@ -10150,8 +10150,8 @@
                 <a:noFill/>
               </a:ln>
               <a:extLst>
-                <a:ext uri="{91240B29-F687-4f45-9708-019B960494DF}">
-                  <a14:hiddenLine xmlns:a14="http://schemas.microsoft.com/office/drawing/2010/main" xmlns="" w="9525">
+                <a:ext uri="{91240B29-F687-4F45-9708-019B960494DF}">
+                  <a14:hiddenLine xmlns:a14="http://schemas.microsoft.com/office/drawing/2010/main" w="9525">
                     <a:solidFill>
                       <a:srgbClr val="000000"/>
                     </a:solidFill>
@@ -10240,8 +10240,8 @@
                 <a:noFill/>
               </a:ln>
               <a:extLst>
-                <a:ext uri="{91240B29-F687-4f45-9708-019B960494DF}">
-                  <a14:hiddenLine xmlns:a14="http://schemas.microsoft.com/office/drawing/2010/main" xmlns="" w="9525">
+                <a:ext uri="{91240B29-F687-4F45-9708-019B960494DF}">
+                  <a14:hiddenLine xmlns:a14="http://schemas.microsoft.com/office/drawing/2010/main" w="9525">
                     <a:solidFill>
                       <a:srgbClr val="000000"/>
                     </a:solidFill>
@@ -10274,8 +10274,8 @@
                 <a:noFill/>
               </a:ln>
               <a:extLst>
-                <a:ext uri="{91240B29-F687-4f45-9708-019B960494DF}">
-                  <a14:hiddenLine xmlns:a14="http://schemas.microsoft.com/office/drawing/2010/main" xmlns="" w="9525">
+                <a:ext uri="{91240B29-F687-4F45-9708-019B960494DF}">
+                  <a14:hiddenLine xmlns:a14="http://schemas.microsoft.com/office/drawing/2010/main" w="9525">
                     <a:solidFill>
                       <a:srgbClr val="000000"/>
                     </a:solidFill>
@@ -10339,8 +10339,8 @@
                 <a:noFill/>
               </a:ln>
               <a:extLst>
-                <a:ext uri="{91240B29-F687-4f45-9708-019B960494DF}">
-                  <a14:hiddenLine xmlns:a14="http://schemas.microsoft.com/office/drawing/2010/main" xmlns="" w="9525">
+                <a:ext uri="{91240B29-F687-4F45-9708-019B960494DF}">
+                  <a14:hiddenLine xmlns:a14="http://schemas.microsoft.com/office/drawing/2010/main" w="9525">
                     <a:solidFill>
                       <a:srgbClr val="000000"/>
                     </a:solidFill>
@@ -10429,8 +10429,8 @@
                 <a:noFill/>
               </a:ln>
               <a:extLst>
-                <a:ext uri="{91240B29-F687-4f45-9708-019B960494DF}">
-                  <a14:hiddenLine xmlns:a14="http://schemas.microsoft.com/office/drawing/2010/main" xmlns="" w="9525">
+                <a:ext uri="{91240B29-F687-4F45-9708-019B960494DF}">
+                  <a14:hiddenLine xmlns:a14="http://schemas.microsoft.com/office/drawing/2010/main" w="9525">
                     <a:solidFill>
                       <a:srgbClr val="000000"/>
                     </a:solidFill>
@@ -10491,8 +10491,8 @@
                 <a:noFill/>
               </a:ln>
               <a:extLst>
-                <a:ext uri="{91240B29-F687-4f45-9708-019B960494DF}">
-                  <a14:hiddenLine xmlns:a14="http://schemas.microsoft.com/office/drawing/2010/main" xmlns="" w="9525">
+                <a:ext uri="{91240B29-F687-4F45-9708-019B960494DF}">
+                  <a14:hiddenLine xmlns:a14="http://schemas.microsoft.com/office/drawing/2010/main" w="9525">
                     <a:solidFill>
                       <a:srgbClr val="000000"/>
                     </a:solidFill>
@@ -10581,8 +10581,8 @@
                 <a:noFill/>
               </a:ln>
               <a:extLst>
-                <a:ext uri="{91240B29-F687-4f45-9708-019B960494DF}">
-                  <a14:hiddenLine xmlns:a14="http://schemas.microsoft.com/office/drawing/2010/main" xmlns="" w="9525">
+                <a:ext uri="{91240B29-F687-4F45-9708-019B960494DF}">
+                  <a14:hiddenLine xmlns:a14="http://schemas.microsoft.com/office/drawing/2010/main" w="9525">
                     <a:solidFill>
                       <a:srgbClr val="000000"/>
                     </a:solidFill>
@@ -10646,8 +10646,8 @@
                 <a:noFill/>
               </a:ln>
               <a:extLst>
-                <a:ext uri="{91240B29-F687-4f45-9708-019B960494DF}">
-                  <a14:hiddenLine xmlns:a14="http://schemas.microsoft.com/office/drawing/2010/main" xmlns="" w="9525">
+                <a:ext uri="{91240B29-F687-4F45-9708-019B960494DF}">
+                  <a14:hiddenLine xmlns:a14="http://schemas.microsoft.com/office/drawing/2010/main" w="9525">
                     <a:solidFill>
                       <a:srgbClr val="000000"/>
                     </a:solidFill>
@@ -10708,8 +10708,8 @@
                 <a:noFill/>
               </a:ln>
               <a:extLst>
-                <a:ext uri="{91240B29-F687-4f45-9708-019B960494DF}">
-                  <a14:hiddenLine xmlns:a14="http://schemas.microsoft.com/office/drawing/2010/main" xmlns="" w="9525">
+                <a:ext uri="{91240B29-F687-4F45-9708-019B960494DF}">
+                  <a14:hiddenLine xmlns:a14="http://schemas.microsoft.com/office/drawing/2010/main" w="9525">
                     <a:solidFill>
                       <a:srgbClr val="000000"/>
                     </a:solidFill>
@@ -10798,8 +10798,8 @@
                 <a:noFill/>
               </a:ln>
               <a:extLst>
-                <a:ext uri="{91240B29-F687-4f45-9708-019B960494DF}">
-                  <a14:hiddenLine xmlns:a14="http://schemas.microsoft.com/office/drawing/2010/main" xmlns="" w="9525">
+                <a:ext uri="{91240B29-F687-4F45-9708-019B960494DF}">
+                  <a14:hiddenLine xmlns:a14="http://schemas.microsoft.com/office/drawing/2010/main" w="9525">
                     <a:solidFill>
                       <a:srgbClr val="000000"/>
                     </a:solidFill>
@@ -10888,8 +10888,8 @@
                 <a:noFill/>
               </a:ln>
               <a:extLst>
-                <a:ext uri="{91240B29-F687-4f45-9708-019B960494DF}">
-                  <a14:hiddenLine xmlns:a14="http://schemas.microsoft.com/office/drawing/2010/main" xmlns="" w="9525">
+                <a:ext uri="{91240B29-F687-4F45-9708-019B960494DF}">
+                  <a14:hiddenLine xmlns:a14="http://schemas.microsoft.com/office/drawing/2010/main" w="9525">
                     <a:solidFill>
                       <a:srgbClr val="000000"/>
                     </a:solidFill>
@@ -10953,8 +10953,8 @@
                 <a:noFill/>
               </a:ln>
               <a:extLst>
-                <a:ext uri="{91240B29-F687-4f45-9708-019B960494DF}">
-                  <a14:hiddenLine xmlns:a14="http://schemas.microsoft.com/office/drawing/2010/main" xmlns="" w="9525">
+                <a:ext uri="{91240B29-F687-4F45-9708-019B960494DF}">
+                  <a14:hiddenLine xmlns:a14="http://schemas.microsoft.com/office/drawing/2010/main" w="9525">
                     <a:solidFill>
                       <a:srgbClr val="000000"/>
                     </a:solidFill>
@@ -11073,8 +11073,8 @@
                 <a:noFill/>
               </a:ln>
               <a:extLst>
-                <a:ext uri="{91240B29-F687-4f45-9708-019B960494DF}">
-                  <a14:hiddenLine xmlns:a14="http://schemas.microsoft.com/office/drawing/2010/main" xmlns="" w="9525">
+                <a:ext uri="{91240B29-F687-4F45-9708-019B960494DF}">
+                  <a14:hiddenLine xmlns:a14="http://schemas.microsoft.com/office/drawing/2010/main" w="9525">
                     <a:solidFill>
                       <a:srgbClr val="000000"/>
                     </a:solidFill>
@@ -11171,8 +11171,8 @@
                 <a:noFill/>
               </a:ln>
               <a:extLst>
-                <a:ext uri="{91240B29-F687-4f45-9708-019B960494DF}">
-                  <a14:hiddenLine xmlns:a14="http://schemas.microsoft.com/office/drawing/2010/main" xmlns="" w="9525">
+                <a:ext uri="{91240B29-F687-4F45-9708-019B960494DF}">
+                  <a14:hiddenLine xmlns:a14="http://schemas.microsoft.com/office/drawing/2010/main" w="9525">
                     <a:solidFill>
                       <a:srgbClr val="000000"/>
                     </a:solidFill>
@@ -11286,8 +11286,8 @@
                 <a:noFill/>
               </a:ln>
               <a:extLst>
-                <a:ext uri="{91240B29-F687-4f45-9708-019B960494DF}">
-                  <a14:hiddenLine xmlns:a14="http://schemas.microsoft.com/office/drawing/2010/main" xmlns="" w="9525">
+                <a:ext uri="{91240B29-F687-4F45-9708-019B960494DF}">
+                  <a14:hiddenLine xmlns:a14="http://schemas.microsoft.com/office/drawing/2010/main" w="9525">
                     <a:solidFill>
                       <a:srgbClr val="000000"/>
                     </a:solidFill>
@@ -11376,8 +11376,8 @@
                 <a:noFill/>
               </a:ln>
               <a:extLst>
-                <a:ext uri="{91240B29-F687-4f45-9708-019B960494DF}">
-                  <a14:hiddenLine xmlns:a14="http://schemas.microsoft.com/office/drawing/2010/main" xmlns="" w="9525">
+                <a:ext uri="{91240B29-F687-4F45-9708-019B960494DF}">
+                  <a14:hiddenLine xmlns:a14="http://schemas.microsoft.com/office/drawing/2010/main" w="9525">
                     <a:solidFill>
                       <a:srgbClr val="000000"/>
                     </a:solidFill>
@@ -11441,8 +11441,8 @@
                 <a:noFill/>
               </a:ln>
               <a:extLst>
-                <a:ext uri="{91240B29-F687-4f45-9708-019B960494DF}">
-                  <a14:hiddenLine xmlns:a14="http://schemas.microsoft.com/office/drawing/2010/main" xmlns="" w="9525">
+                <a:ext uri="{91240B29-F687-4F45-9708-019B960494DF}">
+                  <a14:hiddenLine xmlns:a14="http://schemas.microsoft.com/office/drawing/2010/main" w="9525">
                     <a:solidFill>
                       <a:srgbClr val="000000"/>
                     </a:solidFill>
@@ -11531,8 +11531,8 @@
                 <a:noFill/>
               </a:ln>
               <a:extLst>
-                <a:ext uri="{91240B29-F687-4f45-9708-019B960494DF}">
-                  <a14:hiddenLine xmlns:a14="http://schemas.microsoft.com/office/drawing/2010/main" xmlns="" w="9525">
+                <a:ext uri="{91240B29-F687-4F45-9708-019B960494DF}">
+                  <a14:hiddenLine xmlns:a14="http://schemas.microsoft.com/office/drawing/2010/main" w="9525">
                     <a:solidFill>
                       <a:srgbClr val="000000"/>
                     </a:solidFill>
@@ -11599,8 +11599,8 @@
                 <a:noFill/>
               </a:ln>
               <a:extLst>
-                <a:ext uri="{91240B29-F687-4f45-9708-019B960494DF}">
-                  <a14:hiddenLine xmlns:a14="http://schemas.microsoft.com/office/drawing/2010/main" xmlns="" w="9525">
+                <a:ext uri="{91240B29-F687-4F45-9708-019B960494DF}">
+                  <a14:hiddenLine xmlns:a14="http://schemas.microsoft.com/office/drawing/2010/main" w="9525">
                     <a:solidFill>
                       <a:srgbClr val="000000"/>
                     </a:solidFill>
@@ -11689,8 +11689,8 @@
                 <a:noFill/>
               </a:ln>
               <a:extLst>
-                <a:ext uri="{91240B29-F687-4f45-9708-019B960494DF}">
-                  <a14:hiddenLine xmlns:a14="http://schemas.microsoft.com/office/drawing/2010/main" xmlns="" w="9525">
+                <a:ext uri="{91240B29-F687-4F45-9708-019B960494DF}">
+                  <a14:hiddenLine xmlns:a14="http://schemas.microsoft.com/office/drawing/2010/main" w="9525">
                     <a:solidFill>
                       <a:srgbClr val="000000"/>
                     </a:solidFill>
@@ -11757,8 +11757,8 @@
                 <a:noFill/>
               </a:ln>
               <a:extLst>
-                <a:ext uri="{91240B29-F687-4f45-9708-019B960494DF}">
-                  <a14:hiddenLine xmlns:a14="http://schemas.microsoft.com/office/drawing/2010/main" xmlns="" w="9525">
+                <a:ext uri="{91240B29-F687-4F45-9708-019B960494DF}">
+                  <a14:hiddenLine xmlns:a14="http://schemas.microsoft.com/office/drawing/2010/main" w="9525">
                     <a:solidFill>
                       <a:srgbClr val="000000"/>
                     </a:solidFill>
@@ -11847,8 +11847,8 @@
                 <a:noFill/>
               </a:ln>
               <a:extLst>
-                <a:ext uri="{91240B29-F687-4f45-9708-019B960494DF}">
-                  <a14:hiddenLine xmlns:a14="http://schemas.microsoft.com/office/drawing/2010/main" xmlns="" w="9525">
+                <a:ext uri="{91240B29-F687-4F45-9708-019B960494DF}">
+                  <a14:hiddenLine xmlns:a14="http://schemas.microsoft.com/office/drawing/2010/main" w="9525">
                     <a:solidFill>
                       <a:srgbClr val="000000"/>
                     </a:solidFill>
@@ -11881,8 +11881,8 @@
                 <a:noFill/>
               </a:ln>
               <a:extLst>
-                <a:ext uri="{91240B29-F687-4f45-9708-019B960494DF}">
-                  <a14:hiddenLine xmlns:a14="http://schemas.microsoft.com/office/drawing/2010/main" xmlns="" w="9525">
+                <a:ext uri="{91240B29-F687-4F45-9708-019B960494DF}">
+                  <a14:hiddenLine xmlns:a14="http://schemas.microsoft.com/office/drawing/2010/main" w="9525">
                     <a:solidFill>
                       <a:srgbClr val="000000"/>
                     </a:solidFill>
@@ -12447,7 +12447,7 @@
           <p:cNvPr id="2" name="Title 1">
             <a:extLst>
               <a:ext uri="{FF2B5EF4-FFF2-40B4-BE49-F238E27FC236}">
-                <a16:creationId xmlns:a16="http://schemas.microsoft.com/office/drawing/2014/main" id="{0844B143-63FB-4C4B-A273-65B332245390}"/>
+                <a16:creationId xmlns:a16="http://schemas.microsoft.com/office/drawing/2014/main" xmlns="" id="{0844B143-63FB-4C4B-A273-65B332245390}"/>
               </a:ext>
             </a:extLst>
           </p:cNvPr>
@@ -12475,7 +12475,7 @@
           <p:cNvPr id="3" name="Subtitle 2">
             <a:extLst>
               <a:ext uri="{FF2B5EF4-FFF2-40B4-BE49-F238E27FC236}">
-                <a16:creationId xmlns:a16="http://schemas.microsoft.com/office/drawing/2014/main" id="{3632828B-6838-442B-BA9D-3F35C0507A96}"/>
+                <a16:creationId xmlns:a16="http://schemas.microsoft.com/office/drawing/2014/main" xmlns="" id="{3632828B-6838-442B-BA9D-3F35C0507A96}"/>
               </a:ext>
             </a:extLst>
           </p:cNvPr>
@@ -12549,7 +12549,7 @@
           <p:cNvPr id="2" name="Title 1">
             <a:extLst>
               <a:ext uri="{FF2B5EF4-FFF2-40B4-BE49-F238E27FC236}">
-                <a16:creationId xmlns:a16="http://schemas.microsoft.com/office/drawing/2014/main" id="{391D1AF7-4CCC-4D2D-983E-979222A2046E}"/>
+                <a16:creationId xmlns:a16="http://schemas.microsoft.com/office/drawing/2014/main" xmlns="" id="{391D1AF7-4CCC-4D2D-983E-979222A2046E}"/>
               </a:ext>
             </a:extLst>
           </p:cNvPr>
@@ -12577,7 +12577,7 @@
           <p:cNvPr id="3" name="Content Placeholder 2">
             <a:extLst>
               <a:ext uri="{FF2B5EF4-FFF2-40B4-BE49-F238E27FC236}">
-                <a16:creationId xmlns:a16="http://schemas.microsoft.com/office/drawing/2014/main" id="{C4363021-8E9B-4861-BC76-4221DDC05610}"/>
+                <a16:creationId xmlns:a16="http://schemas.microsoft.com/office/drawing/2014/main" xmlns="" id="{C4363021-8E9B-4861-BC76-4221DDC05610}"/>
               </a:ext>
             </a:extLst>
           </p:cNvPr>
@@ -12688,6 +12688,760 @@
   <p:clrMapOvr>
     <a:masterClrMapping/>
   </p:clrMapOvr>
+  <p:timing>
+    <p:tnLst>
+      <p:par>
+        <p:cTn id="1" dur="indefinite" restart="never" nodeType="tmRoot">
+          <p:childTnLst>
+            <p:seq concurrent="1" nextAc="seek">
+              <p:cTn id="2" dur="indefinite" nodeType="mainSeq">
+                <p:childTnLst>
+                  <p:par>
+                    <p:cTn id="3" fill="hold">
+                      <p:stCondLst>
+                        <p:cond delay="indefinite"/>
+                      </p:stCondLst>
+                      <p:childTnLst>
+                        <p:par>
+                          <p:cTn id="4" fill="hold">
+                            <p:stCondLst>
+                              <p:cond delay="0"/>
+                            </p:stCondLst>
+                            <p:childTnLst>
+                              <p:par>
+                                <p:cTn id="5" presetID="2" presetClass="entr" presetSubtype="4" fill="hold" grpId="0" nodeType="clickEffect">
+                                  <p:stCondLst>
+                                    <p:cond delay="0"/>
+                                  </p:stCondLst>
+                                  <p:childTnLst>
+                                    <p:set>
+                                      <p:cBhvr>
+                                        <p:cTn id="6" dur="1" fill="hold">
+                                          <p:stCondLst>
+                                            <p:cond delay="0"/>
+                                          </p:stCondLst>
+                                        </p:cTn>
+                                        <p:tgtEl>
+                                          <p:spTgt spid="3">
+                                            <p:txEl>
+                                              <p:pRg st="0" end="0"/>
+                                            </p:txEl>
+                                          </p:spTgt>
+                                        </p:tgtEl>
+                                        <p:attrNameLst>
+                                          <p:attrName>style.visibility</p:attrName>
+                                        </p:attrNameLst>
+                                      </p:cBhvr>
+                                      <p:to>
+                                        <p:strVal val="visible"/>
+                                      </p:to>
+                                    </p:set>
+                                    <p:anim calcmode="lin" valueType="num">
+                                      <p:cBhvr additive="base">
+                                        <p:cTn id="7" dur="500" fill="hold"/>
+                                        <p:tgtEl>
+                                          <p:spTgt spid="3">
+                                            <p:txEl>
+                                              <p:pRg st="0" end="0"/>
+                                            </p:txEl>
+                                          </p:spTgt>
+                                        </p:tgtEl>
+                                        <p:attrNameLst>
+                                          <p:attrName>ppt_x</p:attrName>
+                                        </p:attrNameLst>
+                                      </p:cBhvr>
+                                      <p:tavLst>
+                                        <p:tav tm="0">
+                                          <p:val>
+                                            <p:strVal val="#ppt_x"/>
+                                          </p:val>
+                                        </p:tav>
+                                        <p:tav tm="100000">
+                                          <p:val>
+                                            <p:strVal val="#ppt_x"/>
+                                          </p:val>
+                                        </p:tav>
+                                      </p:tavLst>
+                                    </p:anim>
+                                    <p:anim calcmode="lin" valueType="num">
+                                      <p:cBhvr additive="base">
+                                        <p:cTn id="8" dur="500" fill="hold"/>
+                                        <p:tgtEl>
+                                          <p:spTgt spid="3">
+                                            <p:txEl>
+                                              <p:pRg st="0" end="0"/>
+                                            </p:txEl>
+                                          </p:spTgt>
+                                        </p:tgtEl>
+                                        <p:attrNameLst>
+                                          <p:attrName>ppt_y</p:attrName>
+                                        </p:attrNameLst>
+                                      </p:cBhvr>
+                                      <p:tavLst>
+                                        <p:tav tm="0">
+                                          <p:val>
+                                            <p:strVal val="1+#ppt_h/2"/>
+                                          </p:val>
+                                        </p:tav>
+                                        <p:tav tm="100000">
+                                          <p:val>
+                                            <p:strVal val="#ppt_y"/>
+                                          </p:val>
+                                        </p:tav>
+                                      </p:tavLst>
+                                    </p:anim>
+                                  </p:childTnLst>
+                                </p:cTn>
+                              </p:par>
+                            </p:childTnLst>
+                          </p:cTn>
+                        </p:par>
+                      </p:childTnLst>
+                    </p:cTn>
+                  </p:par>
+                  <p:par>
+                    <p:cTn id="9" fill="hold">
+                      <p:stCondLst>
+                        <p:cond delay="indefinite"/>
+                      </p:stCondLst>
+                      <p:childTnLst>
+                        <p:par>
+                          <p:cTn id="10" fill="hold">
+                            <p:stCondLst>
+                              <p:cond delay="0"/>
+                            </p:stCondLst>
+                            <p:childTnLst>
+                              <p:par>
+                                <p:cTn id="11" presetID="2" presetClass="entr" presetSubtype="4" fill="hold" grpId="0" nodeType="clickEffect">
+                                  <p:stCondLst>
+                                    <p:cond delay="0"/>
+                                  </p:stCondLst>
+                                  <p:childTnLst>
+                                    <p:set>
+                                      <p:cBhvr>
+                                        <p:cTn id="12" dur="1" fill="hold">
+                                          <p:stCondLst>
+                                            <p:cond delay="0"/>
+                                          </p:stCondLst>
+                                        </p:cTn>
+                                        <p:tgtEl>
+                                          <p:spTgt spid="3">
+                                            <p:txEl>
+                                              <p:pRg st="1" end="1"/>
+                                            </p:txEl>
+                                          </p:spTgt>
+                                        </p:tgtEl>
+                                        <p:attrNameLst>
+                                          <p:attrName>style.visibility</p:attrName>
+                                        </p:attrNameLst>
+                                      </p:cBhvr>
+                                      <p:to>
+                                        <p:strVal val="visible"/>
+                                      </p:to>
+                                    </p:set>
+                                    <p:anim calcmode="lin" valueType="num">
+                                      <p:cBhvr additive="base">
+                                        <p:cTn id="13" dur="500" fill="hold"/>
+                                        <p:tgtEl>
+                                          <p:spTgt spid="3">
+                                            <p:txEl>
+                                              <p:pRg st="1" end="1"/>
+                                            </p:txEl>
+                                          </p:spTgt>
+                                        </p:tgtEl>
+                                        <p:attrNameLst>
+                                          <p:attrName>ppt_x</p:attrName>
+                                        </p:attrNameLst>
+                                      </p:cBhvr>
+                                      <p:tavLst>
+                                        <p:tav tm="0">
+                                          <p:val>
+                                            <p:strVal val="#ppt_x"/>
+                                          </p:val>
+                                        </p:tav>
+                                        <p:tav tm="100000">
+                                          <p:val>
+                                            <p:strVal val="#ppt_x"/>
+                                          </p:val>
+                                        </p:tav>
+                                      </p:tavLst>
+                                    </p:anim>
+                                    <p:anim calcmode="lin" valueType="num">
+                                      <p:cBhvr additive="base">
+                                        <p:cTn id="14" dur="500" fill="hold"/>
+                                        <p:tgtEl>
+                                          <p:spTgt spid="3">
+                                            <p:txEl>
+                                              <p:pRg st="1" end="1"/>
+                                            </p:txEl>
+                                          </p:spTgt>
+                                        </p:tgtEl>
+                                        <p:attrNameLst>
+                                          <p:attrName>ppt_y</p:attrName>
+                                        </p:attrNameLst>
+                                      </p:cBhvr>
+                                      <p:tavLst>
+                                        <p:tav tm="0">
+                                          <p:val>
+                                            <p:strVal val="1+#ppt_h/2"/>
+                                          </p:val>
+                                        </p:tav>
+                                        <p:tav tm="100000">
+                                          <p:val>
+                                            <p:strVal val="#ppt_y"/>
+                                          </p:val>
+                                        </p:tav>
+                                      </p:tavLst>
+                                    </p:anim>
+                                  </p:childTnLst>
+                                </p:cTn>
+                              </p:par>
+                            </p:childTnLst>
+                          </p:cTn>
+                        </p:par>
+                      </p:childTnLst>
+                    </p:cTn>
+                  </p:par>
+                  <p:par>
+                    <p:cTn id="15" fill="hold">
+                      <p:stCondLst>
+                        <p:cond delay="indefinite"/>
+                      </p:stCondLst>
+                      <p:childTnLst>
+                        <p:par>
+                          <p:cTn id="16" fill="hold">
+                            <p:stCondLst>
+                              <p:cond delay="0"/>
+                            </p:stCondLst>
+                            <p:childTnLst>
+                              <p:par>
+                                <p:cTn id="17" presetID="2" presetClass="entr" presetSubtype="4" fill="hold" grpId="0" nodeType="clickEffect">
+                                  <p:stCondLst>
+                                    <p:cond delay="0"/>
+                                  </p:stCondLst>
+                                  <p:childTnLst>
+                                    <p:set>
+                                      <p:cBhvr>
+                                        <p:cTn id="18" dur="1" fill="hold">
+                                          <p:stCondLst>
+                                            <p:cond delay="0"/>
+                                          </p:stCondLst>
+                                        </p:cTn>
+                                        <p:tgtEl>
+                                          <p:spTgt spid="3">
+                                            <p:txEl>
+                                              <p:pRg st="2" end="2"/>
+                                            </p:txEl>
+                                          </p:spTgt>
+                                        </p:tgtEl>
+                                        <p:attrNameLst>
+                                          <p:attrName>style.visibility</p:attrName>
+                                        </p:attrNameLst>
+                                      </p:cBhvr>
+                                      <p:to>
+                                        <p:strVal val="visible"/>
+                                      </p:to>
+                                    </p:set>
+                                    <p:anim calcmode="lin" valueType="num">
+                                      <p:cBhvr additive="base">
+                                        <p:cTn id="19" dur="500" fill="hold"/>
+                                        <p:tgtEl>
+                                          <p:spTgt spid="3">
+                                            <p:txEl>
+                                              <p:pRg st="2" end="2"/>
+                                            </p:txEl>
+                                          </p:spTgt>
+                                        </p:tgtEl>
+                                        <p:attrNameLst>
+                                          <p:attrName>ppt_x</p:attrName>
+                                        </p:attrNameLst>
+                                      </p:cBhvr>
+                                      <p:tavLst>
+                                        <p:tav tm="0">
+                                          <p:val>
+                                            <p:strVal val="#ppt_x"/>
+                                          </p:val>
+                                        </p:tav>
+                                        <p:tav tm="100000">
+                                          <p:val>
+                                            <p:strVal val="#ppt_x"/>
+                                          </p:val>
+                                        </p:tav>
+                                      </p:tavLst>
+                                    </p:anim>
+                                    <p:anim calcmode="lin" valueType="num">
+                                      <p:cBhvr additive="base">
+                                        <p:cTn id="20" dur="500" fill="hold"/>
+                                        <p:tgtEl>
+                                          <p:spTgt spid="3">
+                                            <p:txEl>
+                                              <p:pRg st="2" end="2"/>
+                                            </p:txEl>
+                                          </p:spTgt>
+                                        </p:tgtEl>
+                                        <p:attrNameLst>
+                                          <p:attrName>ppt_y</p:attrName>
+                                        </p:attrNameLst>
+                                      </p:cBhvr>
+                                      <p:tavLst>
+                                        <p:tav tm="0">
+                                          <p:val>
+                                            <p:strVal val="1+#ppt_h/2"/>
+                                          </p:val>
+                                        </p:tav>
+                                        <p:tav tm="100000">
+                                          <p:val>
+                                            <p:strVal val="#ppt_y"/>
+                                          </p:val>
+                                        </p:tav>
+                                      </p:tavLst>
+                                    </p:anim>
+                                  </p:childTnLst>
+                                </p:cTn>
+                              </p:par>
+                            </p:childTnLst>
+                          </p:cTn>
+                        </p:par>
+                      </p:childTnLst>
+                    </p:cTn>
+                  </p:par>
+                  <p:par>
+                    <p:cTn id="21" fill="hold">
+                      <p:stCondLst>
+                        <p:cond delay="indefinite"/>
+                      </p:stCondLst>
+                      <p:childTnLst>
+                        <p:par>
+                          <p:cTn id="22" fill="hold">
+                            <p:stCondLst>
+                              <p:cond delay="0"/>
+                            </p:stCondLst>
+                            <p:childTnLst>
+                              <p:par>
+                                <p:cTn id="23" presetID="2" presetClass="entr" presetSubtype="4" fill="hold" grpId="0" nodeType="clickEffect">
+                                  <p:stCondLst>
+                                    <p:cond delay="0"/>
+                                  </p:stCondLst>
+                                  <p:childTnLst>
+                                    <p:set>
+                                      <p:cBhvr>
+                                        <p:cTn id="24" dur="1" fill="hold">
+                                          <p:stCondLst>
+                                            <p:cond delay="0"/>
+                                          </p:stCondLst>
+                                        </p:cTn>
+                                        <p:tgtEl>
+                                          <p:spTgt spid="3">
+                                            <p:txEl>
+                                              <p:pRg st="3" end="3"/>
+                                            </p:txEl>
+                                          </p:spTgt>
+                                        </p:tgtEl>
+                                        <p:attrNameLst>
+                                          <p:attrName>style.visibility</p:attrName>
+                                        </p:attrNameLst>
+                                      </p:cBhvr>
+                                      <p:to>
+                                        <p:strVal val="visible"/>
+                                      </p:to>
+                                    </p:set>
+                                    <p:anim calcmode="lin" valueType="num">
+                                      <p:cBhvr additive="base">
+                                        <p:cTn id="25" dur="500" fill="hold"/>
+                                        <p:tgtEl>
+                                          <p:spTgt spid="3">
+                                            <p:txEl>
+                                              <p:pRg st="3" end="3"/>
+                                            </p:txEl>
+                                          </p:spTgt>
+                                        </p:tgtEl>
+                                        <p:attrNameLst>
+                                          <p:attrName>ppt_x</p:attrName>
+                                        </p:attrNameLst>
+                                      </p:cBhvr>
+                                      <p:tavLst>
+                                        <p:tav tm="0">
+                                          <p:val>
+                                            <p:strVal val="#ppt_x"/>
+                                          </p:val>
+                                        </p:tav>
+                                        <p:tav tm="100000">
+                                          <p:val>
+                                            <p:strVal val="#ppt_x"/>
+                                          </p:val>
+                                        </p:tav>
+                                      </p:tavLst>
+                                    </p:anim>
+                                    <p:anim calcmode="lin" valueType="num">
+                                      <p:cBhvr additive="base">
+                                        <p:cTn id="26" dur="500" fill="hold"/>
+                                        <p:tgtEl>
+                                          <p:spTgt spid="3">
+                                            <p:txEl>
+                                              <p:pRg st="3" end="3"/>
+                                            </p:txEl>
+                                          </p:spTgt>
+                                        </p:tgtEl>
+                                        <p:attrNameLst>
+                                          <p:attrName>ppt_y</p:attrName>
+                                        </p:attrNameLst>
+                                      </p:cBhvr>
+                                      <p:tavLst>
+                                        <p:tav tm="0">
+                                          <p:val>
+                                            <p:strVal val="1+#ppt_h/2"/>
+                                          </p:val>
+                                        </p:tav>
+                                        <p:tav tm="100000">
+                                          <p:val>
+                                            <p:strVal val="#ppt_y"/>
+                                          </p:val>
+                                        </p:tav>
+                                      </p:tavLst>
+                                    </p:anim>
+                                  </p:childTnLst>
+                                </p:cTn>
+                              </p:par>
+                            </p:childTnLst>
+                          </p:cTn>
+                        </p:par>
+                      </p:childTnLst>
+                    </p:cTn>
+                  </p:par>
+                  <p:par>
+                    <p:cTn id="27" fill="hold">
+                      <p:stCondLst>
+                        <p:cond delay="indefinite"/>
+                      </p:stCondLst>
+                      <p:childTnLst>
+                        <p:par>
+                          <p:cTn id="28" fill="hold">
+                            <p:stCondLst>
+                              <p:cond delay="0"/>
+                            </p:stCondLst>
+                            <p:childTnLst>
+                              <p:par>
+                                <p:cTn id="29" presetID="2" presetClass="entr" presetSubtype="4" fill="hold" grpId="0" nodeType="clickEffect">
+                                  <p:stCondLst>
+                                    <p:cond delay="0"/>
+                                  </p:stCondLst>
+                                  <p:childTnLst>
+                                    <p:set>
+                                      <p:cBhvr>
+                                        <p:cTn id="30" dur="1" fill="hold">
+                                          <p:stCondLst>
+                                            <p:cond delay="0"/>
+                                          </p:stCondLst>
+                                        </p:cTn>
+                                        <p:tgtEl>
+                                          <p:spTgt spid="3">
+                                            <p:txEl>
+                                              <p:pRg st="4" end="4"/>
+                                            </p:txEl>
+                                          </p:spTgt>
+                                        </p:tgtEl>
+                                        <p:attrNameLst>
+                                          <p:attrName>style.visibility</p:attrName>
+                                        </p:attrNameLst>
+                                      </p:cBhvr>
+                                      <p:to>
+                                        <p:strVal val="visible"/>
+                                      </p:to>
+                                    </p:set>
+                                    <p:anim calcmode="lin" valueType="num">
+                                      <p:cBhvr additive="base">
+                                        <p:cTn id="31" dur="500" fill="hold"/>
+                                        <p:tgtEl>
+                                          <p:spTgt spid="3">
+                                            <p:txEl>
+                                              <p:pRg st="4" end="4"/>
+                                            </p:txEl>
+                                          </p:spTgt>
+                                        </p:tgtEl>
+                                        <p:attrNameLst>
+                                          <p:attrName>ppt_x</p:attrName>
+                                        </p:attrNameLst>
+                                      </p:cBhvr>
+                                      <p:tavLst>
+                                        <p:tav tm="0">
+                                          <p:val>
+                                            <p:strVal val="#ppt_x"/>
+                                          </p:val>
+                                        </p:tav>
+                                        <p:tav tm="100000">
+                                          <p:val>
+                                            <p:strVal val="#ppt_x"/>
+                                          </p:val>
+                                        </p:tav>
+                                      </p:tavLst>
+                                    </p:anim>
+                                    <p:anim calcmode="lin" valueType="num">
+                                      <p:cBhvr additive="base">
+                                        <p:cTn id="32" dur="500" fill="hold"/>
+                                        <p:tgtEl>
+                                          <p:spTgt spid="3">
+                                            <p:txEl>
+                                              <p:pRg st="4" end="4"/>
+                                            </p:txEl>
+                                          </p:spTgt>
+                                        </p:tgtEl>
+                                        <p:attrNameLst>
+                                          <p:attrName>ppt_y</p:attrName>
+                                        </p:attrNameLst>
+                                      </p:cBhvr>
+                                      <p:tavLst>
+                                        <p:tav tm="0">
+                                          <p:val>
+                                            <p:strVal val="1+#ppt_h/2"/>
+                                          </p:val>
+                                        </p:tav>
+                                        <p:tav tm="100000">
+                                          <p:val>
+                                            <p:strVal val="#ppt_y"/>
+                                          </p:val>
+                                        </p:tav>
+                                      </p:tavLst>
+                                    </p:anim>
+                                  </p:childTnLst>
+                                </p:cTn>
+                              </p:par>
+                            </p:childTnLst>
+                          </p:cTn>
+                        </p:par>
+                      </p:childTnLst>
+                    </p:cTn>
+                  </p:par>
+                  <p:par>
+                    <p:cTn id="33" fill="hold">
+                      <p:stCondLst>
+                        <p:cond delay="indefinite"/>
+                      </p:stCondLst>
+                      <p:childTnLst>
+                        <p:par>
+                          <p:cTn id="34" fill="hold">
+                            <p:stCondLst>
+                              <p:cond delay="0"/>
+                            </p:stCondLst>
+                            <p:childTnLst>
+                              <p:par>
+                                <p:cTn id="35" presetID="2" presetClass="entr" presetSubtype="4" fill="hold" grpId="0" nodeType="clickEffect">
+                                  <p:stCondLst>
+                                    <p:cond delay="0"/>
+                                  </p:stCondLst>
+                                  <p:childTnLst>
+                                    <p:set>
+                                      <p:cBhvr>
+                                        <p:cTn id="36" dur="1" fill="hold">
+                                          <p:stCondLst>
+                                            <p:cond delay="0"/>
+                                          </p:stCondLst>
+                                        </p:cTn>
+                                        <p:tgtEl>
+                                          <p:spTgt spid="3">
+                                            <p:txEl>
+                                              <p:pRg st="5" end="5"/>
+                                            </p:txEl>
+                                          </p:spTgt>
+                                        </p:tgtEl>
+                                        <p:attrNameLst>
+                                          <p:attrName>style.visibility</p:attrName>
+                                        </p:attrNameLst>
+                                      </p:cBhvr>
+                                      <p:to>
+                                        <p:strVal val="visible"/>
+                                      </p:to>
+                                    </p:set>
+                                    <p:anim calcmode="lin" valueType="num">
+                                      <p:cBhvr additive="base">
+                                        <p:cTn id="37" dur="500" fill="hold"/>
+                                        <p:tgtEl>
+                                          <p:spTgt spid="3">
+                                            <p:txEl>
+                                              <p:pRg st="5" end="5"/>
+                                            </p:txEl>
+                                          </p:spTgt>
+                                        </p:tgtEl>
+                                        <p:attrNameLst>
+                                          <p:attrName>ppt_x</p:attrName>
+                                        </p:attrNameLst>
+                                      </p:cBhvr>
+                                      <p:tavLst>
+                                        <p:tav tm="0">
+                                          <p:val>
+                                            <p:strVal val="#ppt_x"/>
+                                          </p:val>
+                                        </p:tav>
+                                        <p:tav tm="100000">
+                                          <p:val>
+                                            <p:strVal val="#ppt_x"/>
+                                          </p:val>
+                                        </p:tav>
+                                      </p:tavLst>
+                                    </p:anim>
+                                    <p:anim calcmode="lin" valueType="num">
+                                      <p:cBhvr additive="base">
+                                        <p:cTn id="38" dur="500" fill="hold"/>
+                                        <p:tgtEl>
+                                          <p:spTgt spid="3">
+                                            <p:txEl>
+                                              <p:pRg st="5" end="5"/>
+                                            </p:txEl>
+                                          </p:spTgt>
+                                        </p:tgtEl>
+                                        <p:attrNameLst>
+                                          <p:attrName>ppt_y</p:attrName>
+                                        </p:attrNameLst>
+                                      </p:cBhvr>
+                                      <p:tavLst>
+                                        <p:tav tm="0">
+                                          <p:val>
+                                            <p:strVal val="1+#ppt_h/2"/>
+                                          </p:val>
+                                        </p:tav>
+                                        <p:tav tm="100000">
+                                          <p:val>
+                                            <p:strVal val="#ppt_y"/>
+                                          </p:val>
+                                        </p:tav>
+                                      </p:tavLst>
+                                    </p:anim>
+                                  </p:childTnLst>
+                                </p:cTn>
+                              </p:par>
+                            </p:childTnLst>
+                          </p:cTn>
+                        </p:par>
+                      </p:childTnLst>
+                    </p:cTn>
+                  </p:par>
+                  <p:par>
+                    <p:cTn id="39" fill="hold">
+                      <p:stCondLst>
+                        <p:cond delay="indefinite"/>
+                      </p:stCondLst>
+                      <p:childTnLst>
+                        <p:par>
+                          <p:cTn id="40" fill="hold">
+                            <p:stCondLst>
+                              <p:cond delay="0"/>
+                            </p:stCondLst>
+                            <p:childTnLst>
+                              <p:par>
+                                <p:cTn id="41" presetID="2" presetClass="entr" presetSubtype="4" fill="hold" grpId="0" nodeType="clickEffect">
+                                  <p:stCondLst>
+                                    <p:cond delay="0"/>
+                                  </p:stCondLst>
+                                  <p:childTnLst>
+                                    <p:set>
+                                      <p:cBhvr>
+                                        <p:cTn id="42" dur="1" fill="hold">
+                                          <p:stCondLst>
+                                            <p:cond delay="0"/>
+                                          </p:stCondLst>
+                                        </p:cTn>
+                                        <p:tgtEl>
+                                          <p:spTgt spid="3">
+                                            <p:txEl>
+                                              <p:pRg st="6" end="6"/>
+                                            </p:txEl>
+                                          </p:spTgt>
+                                        </p:tgtEl>
+                                        <p:attrNameLst>
+                                          <p:attrName>style.visibility</p:attrName>
+                                        </p:attrNameLst>
+                                      </p:cBhvr>
+                                      <p:to>
+                                        <p:strVal val="visible"/>
+                                      </p:to>
+                                    </p:set>
+                                    <p:anim calcmode="lin" valueType="num">
+                                      <p:cBhvr additive="base">
+                                        <p:cTn id="43" dur="500" fill="hold"/>
+                                        <p:tgtEl>
+                                          <p:spTgt spid="3">
+                                            <p:txEl>
+                                              <p:pRg st="6" end="6"/>
+                                            </p:txEl>
+                                          </p:spTgt>
+                                        </p:tgtEl>
+                                        <p:attrNameLst>
+                                          <p:attrName>ppt_x</p:attrName>
+                                        </p:attrNameLst>
+                                      </p:cBhvr>
+                                      <p:tavLst>
+                                        <p:tav tm="0">
+                                          <p:val>
+                                            <p:strVal val="#ppt_x"/>
+                                          </p:val>
+                                        </p:tav>
+                                        <p:tav tm="100000">
+                                          <p:val>
+                                            <p:strVal val="#ppt_x"/>
+                                          </p:val>
+                                        </p:tav>
+                                      </p:tavLst>
+                                    </p:anim>
+                                    <p:anim calcmode="lin" valueType="num">
+                                      <p:cBhvr additive="base">
+                                        <p:cTn id="44" dur="500" fill="hold"/>
+                                        <p:tgtEl>
+                                          <p:spTgt spid="3">
+                                            <p:txEl>
+                                              <p:pRg st="6" end="6"/>
+                                            </p:txEl>
+                                          </p:spTgt>
+                                        </p:tgtEl>
+                                        <p:attrNameLst>
+                                          <p:attrName>ppt_y</p:attrName>
+                                        </p:attrNameLst>
+                                      </p:cBhvr>
+                                      <p:tavLst>
+                                        <p:tav tm="0">
+                                          <p:val>
+                                            <p:strVal val="1+#ppt_h/2"/>
+                                          </p:val>
+                                        </p:tav>
+                                        <p:tav tm="100000">
+                                          <p:val>
+                                            <p:strVal val="#ppt_y"/>
+                                          </p:val>
+                                        </p:tav>
+                                      </p:tavLst>
+                                    </p:anim>
+                                  </p:childTnLst>
+                                </p:cTn>
+                              </p:par>
+                            </p:childTnLst>
+                          </p:cTn>
+                        </p:par>
+                      </p:childTnLst>
+                    </p:cTn>
+                  </p:par>
+                </p:childTnLst>
+              </p:cTn>
+              <p:prevCondLst>
+                <p:cond evt="onPrev" delay="0">
+                  <p:tgtEl>
+                    <p:sldTgt/>
+                  </p:tgtEl>
+                </p:cond>
+              </p:prevCondLst>
+              <p:nextCondLst>
+                <p:cond evt="onNext" delay="0">
+                  <p:tgtEl>
+                    <p:sldTgt/>
+                  </p:tgtEl>
+                </p:cond>
+              </p:nextCondLst>
+            </p:seq>
+          </p:childTnLst>
+        </p:cTn>
+      </p:par>
+    </p:tnLst>
+    <p:bldLst>
+      <p:bldP spid="3" grpId="0" build="p"/>
+    </p:bldLst>
+  </p:timing>
 </p:sld>
 </file>
 
@@ -12713,7 +13467,7 @@
           <p:cNvPr id="2" name="Title 1">
             <a:extLst>
               <a:ext uri="{FF2B5EF4-FFF2-40B4-BE49-F238E27FC236}">
-                <a16:creationId xmlns:a16="http://schemas.microsoft.com/office/drawing/2014/main" id="{D5A85A46-E23D-4F67-BD0A-878C763545AA}"/>
+                <a16:creationId xmlns:a16="http://schemas.microsoft.com/office/drawing/2014/main" xmlns="" id="{D5A85A46-E23D-4F67-BD0A-878C763545AA}"/>
               </a:ext>
             </a:extLst>
           </p:cNvPr>
@@ -12741,7 +13495,7 @@
           <p:cNvPr id="3" name="Content Placeholder 2">
             <a:extLst>
               <a:ext uri="{FF2B5EF4-FFF2-40B4-BE49-F238E27FC236}">
-                <a16:creationId xmlns:a16="http://schemas.microsoft.com/office/drawing/2014/main" id="{DEE217ED-F938-4CA2-AE3F-FA2DEB571A7E}"/>
+                <a16:creationId xmlns:a16="http://schemas.microsoft.com/office/drawing/2014/main" xmlns="" id="{DEE217ED-F938-4CA2-AE3F-FA2DEB571A7E}"/>
               </a:ext>
             </a:extLst>
           </p:cNvPr>
@@ -12812,6 +13566,451 @@
   <p:clrMapOvr>
     <a:masterClrMapping/>
   </p:clrMapOvr>
+  <p:timing>
+    <p:tnLst>
+      <p:par>
+        <p:cTn id="1" dur="indefinite" restart="never" nodeType="tmRoot">
+          <p:childTnLst>
+            <p:seq concurrent="1" nextAc="seek">
+              <p:cTn id="2" dur="indefinite" nodeType="mainSeq">
+                <p:childTnLst>
+                  <p:par>
+                    <p:cTn id="3" fill="hold">
+                      <p:stCondLst>
+                        <p:cond delay="indefinite"/>
+                      </p:stCondLst>
+                      <p:childTnLst>
+                        <p:par>
+                          <p:cTn id="4" fill="hold">
+                            <p:stCondLst>
+                              <p:cond delay="0"/>
+                            </p:stCondLst>
+                            <p:childTnLst>
+                              <p:par>
+                                <p:cTn id="5" presetID="2" presetClass="entr" presetSubtype="4" fill="hold" grpId="0" nodeType="clickEffect">
+                                  <p:stCondLst>
+                                    <p:cond delay="0"/>
+                                  </p:stCondLst>
+                                  <p:childTnLst>
+                                    <p:set>
+                                      <p:cBhvr>
+                                        <p:cTn id="6" dur="1" fill="hold">
+                                          <p:stCondLst>
+                                            <p:cond delay="0"/>
+                                          </p:stCondLst>
+                                        </p:cTn>
+                                        <p:tgtEl>
+                                          <p:spTgt spid="3">
+                                            <p:txEl>
+                                              <p:pRg st="0" end="0"/>
+                                            </p:txEl>
+                                          </p:spTgt>
+                                        </p:tgtEl>
+                                        <p:attrNameLst>
+                                          <p:attrName>style.visibility</p:attrName>
+                                        </p:attrNameLst>
+                                      </p:cBhvr>
+                                      <p:to>
+                                        <p:strVal val="visible"/>
+                                      </p:to>
+                                    </p:set>
+                                    <p:anim calcmode="lin" valueType="num">
+                                      <p:cBhvr additive="base">
+                                        <p:cTn id="7" dur="500" fill="hold"/>
+                                        <p:tgtEl>
+                                          <p:spTgt spid="3">
+                                            <p:txEl>
+                                              <p:pRg st="0" end="0"/>
+                                            </p:txEl>
+                                          </p:spTgt>
+                                        </p:tgtEl>
+                                        <p:attrNameLst>
+                                          <p:attrName>ppt_x</p:attrName>
+                                        </p:attrNameLst>
+                                      </p:cBhvr>
+                                      <p:tavLst>
+                                        <p:tav tm="0">
+                                          <p:val>
+                                            <p:strVal val="#ppt_x"/>
+                                          </p:val>
+                                        </p:tav>
+                                        <p:tav tm="100000">
+                                          <p:val>
+                                            <p:strVal val="#ppt_x"/>
+                                          </p:val>
+                                        </p:tav>
+                                      </p:tavLst>
+                                    </p:anim>
+                                    <p:anim calcmode="lin" valueType="num">
+                                      <p:cBhvr additive="base">
+                                        <p:cTn id="8" dur="500" fill="hold"/>
+                                        <p:tgtEl>
+                                          <p:spTgt spid="3">
+                                            <p:txEl>
+                                              <p:pRg st="0" end="0"/>
+                                            </p:txEl>
+                                          </p:spTgt>
+                                        </p:tgtEl>
+                                        <p:attrNameLst>
+                                          <p:attrName>ppt_y</p:attrName>
+                                        </p:attrNameLst>
+                                      </p:cBhvr>
+                                      <p:tavLst>
+                                        <p:tav tm="0">
+                                          <p:val>
+                                            <p:strVal val="1+#ppt_h/2"/>
+                                          </p:val>
+                                        </p:tav>
+                                        <p:tav tm="100000">
+                                          <p:val>
+                                            <p:strVal val="#ppt_y"/>
+                                          </p:val>
+                                        </p:tav>
+                                      </p:tavLst>
+                                    </p:anim>
+                                  </p:childTnLst>
+                                </p:cTn>
+                              </p:par>
+                            </p:childTnLst>
+                          </p:cTn>
+                        </p:par>
+                      </p:childTnLst>
+                    </p:cTn>
+                  </p:par>
+                  <p:par>
+                    <p:cTn id="9" fill="hold">
+                      <p:stCondLst>
+                        <p:cond delay="indefinite"/>
+                      </p:stCondLst>
+                      <p:childTnLst>
+                        <p:par>
+                          <p:cTn id="10" fill="hold">
+                            <p:stCondLst>
+                              <p:cond delay="0"/>
+                            </p:stCondLst>
+                            <p:childTnLst>
+                              <p:par>
+                                <p:cTn id="11" presetID="2" presetClass="entr" presetSubtype="4" fill="hold" grpId="0" nodeType="clickEffect">
+                                  <p:stCondLst>
+                                    <p:cond delay="0"/>
+                                  </p:stCondLst>
+                                  <p:childTnLst>
+                                    <p:set>
+                                      <p:cBhvr>
+                                        <p:cTn id="12" dur="1" fill="hold">
+                                          <p:stCondLst>
+                                            <p:cond delay="0"/>
+                                          </p:stCondLst>
+                                        </p:cTn>
+                                        <p:tgtEl>
+                                          <p:spTgt spid="3">
+                                            <p:txEl>
+                                              <p:pRg st="1" end="1"/>
+                                            </p:txEl>
+                                          </p:spTgt>
+                                        </p:tgtEl>
+                                        <p:attrNameLst>
+                                          <p:attrName>style.visibility</p:attrName>
+                                        </p:attrNameLst>
+                                      </p:cBhvr>
+                                      <p:to>
+                                        <p:strVal val="visible"/>
+                                      </p:to>
+                                    </p:set>
+                                    <p:anim calcmode="lin" valueType="num">
+                                      <p:cBhvr additive="base">
+                                        <p:cTn id="13" dur="500" fill="hold"/>
+                                        <p:tgtEl>
+                                          <p:spTgt spid="3">
+                                            <p:txEl>
+                                              <p:pRg st="1" end="1"/>
+                                            </p:txEl>
+                                          </p:spTgt>
+                                        </p:tgtEl>
+                                        <p:attrNameLst>
+                                          <p:attrName>ppt_x</p:attrName>
+                                        </p:attrNameLst>
+                                      </p:cBhvr>
+                                      <p:tavLst>
+                                        <p:tav tm="0">
+                                          <p:val>
+                                            <p:strVal val="#ppt_x"/>
+                                          </p:val>
+                                        </p:tav>
+                                        <p:tav tm="100000">
+                                          <p:val>
+                                            <p:strVal val="#ppt_x"/>
+                                          </p:val>
+                                        </p:tav>
+                                      </p:tavLst>
+                                    </p:anim>
+                                    <p:anim calcmode="lin" valueType="num">
+                                      <p:cBhvr additive="base">
+                                        <p:cTn id="14" dur="500" fill="hold"/>
+                                        <p:tgtEl>
+                                          <p:spTgt spid="3">
+                                            <p:txEl>
+                                              <p:pRg st="1" end="1"/>
+                                            </p:txEl>
+                                          </p:spTgt>
+                                        </p:tgtEl>
+                                        <p:attrNameLst>
+                                          <p:attrName>ppt_y</p:attrName>
+                                        </p:attrNameLst>
+                                      </p:cBhvr>
+                                      <p:tavLst>
+                                        <p:tav tm="0">
+                                          <p:val>
+                                            <p:strVal val="1+#ppt_h/2"/>
+                                          </p:val>
+                                        </p:tav>
+                                        <p:tav tm="100000">
+                                          <p:val>
+                                            <p:strVal val="#ppt_y"/>
+                                          </p:val>
+                                        </p:tav>
+                                      </p:tavLst>
+                                    </p:anim>
+                                  </p:childTnLst>
+                                </p:cTn>
+                              </p:par>
+                            </p:childTnLst>
+                          </p:cTn>
+                        </p:par>
+                      </p:childTnLst>
+                    </p:cTn>
+                  </p:par>
+                  <p:par>
+                    <p:cTn id="15" fill="hold">
+                      <p:stCondLst>
+                        <p:cond delay="indefinite"/>
+                      </p:stCondLst>
+                      <p:childTnLst>
+                        <p:par>
+                          <p:cTn id="16" fill="hold">
+                            <p:stCondLst>
+                              <p:cond delay="0"/>
+                            </p:stCondLst>
+                            <p:childTnLst>
+                              <p:par>
+                                <p:cTn id="17" presetID="2" presetClass="entr" presetSubtype="4" fill="hold" grpId="0" nodeType="clickEffect">
+                                  <p:stCondLst>
+                                    <p:cond delay="0"/>
+                                  </p:stCondLst>
+                                  <p:childTnLst>
+                                    <p:set>
+                                      <p:cBhvr>
+                                        <p:cTn id="18" dur="1" fill="hold">
+                                          <p:stCondLst>
+                                            <p:cond delay="0"/>
+                                          </p:stCondLst>
+                                        </p:cTn>
+                                        <p:tgtEl>
+                                          <p:spTgt spid="3">
+                                            <p:txEl>
+                                              <p:pRg st="2" end="2"/>
+                                            </p:txEl>
+                                          </p:spTgt>
+                                        </p:tgtEl>
+                                        <p:attrNameLst>
+                                          <p:attrName>style.visibility</p:attrName>
+                                        </p:attrNameLst>
+                                      </p:cBhvr>
+                                      <p:to>
+                                        <p:strVal val="visible"/>
+                                      </p:to>
+                                    </p:set>
+                                    <p:anim calcmode="lin" valueType="num">
+                                      <p:cBhvr additive="base">
+                                        <p:cTn id="19" dur="500" fill="hold"/>
+                                        <p:tgtEl>
+                                          <p:spTgt spid="3">
+                                            <p:txEl>
+                                              <p:pRg st="2" end="2"/>
+                                            </p:txEl>
+                                          </p:spTgt>
+                                        </p:tgtEl>
+                                        <p:attrNameLst>
+                                          <p:attrName>ppt_x</p:attrName>
+                                        </p:attrNameLst>
+                                      </p:cBhvr>
+                                      <p:tavLst>
+                                        <p:tav tm="0">
+                                          <p:val>
+                                            <p:strVal val="#ppt_x"/>
+                                          </p:val>
+                                        </p:tav>
+                                        <p:tav tm="100000">
+                                          <p:val>
+                                            <p:strVal val="#ppt_x"/>
+                                          </p:val>
+                                        </p:tav>
+                                      </p:tavLst>
+                                    </p:anim>
+                                    <p:anim calcmode="lin" valueType="num">
+                                      <p:cBhvr additive="base">
+                                        <p:cTn id="20" dur="500" fill="hold"/>
+                                        <p:tgtEl>
+                                          <p:spTgt spid="3">
+                                            <p:txEl>
+                                              <p:pRg st="2" end="2"/>
+                                            </p:txEl>
+                                          </p:spTgt>
+                                        </p:tgtEl>
+                                        <p:attrNameLst>
+                                          <p:attrName>ppt_y</p:attrName>
+                                        </p:attrNameLst>
+                                      </p:cBhvr>
+                                      <p:tavLst>
+                                        <p:tav tm="0">
+                                          <p:val>
+                                            <p:strVal val="1+#ppt_h/2"/>
+                                          </p:val>
+                                        </p:tav>
+                                        <p:tav tm="100000">
+                                          <p:val>
+                                            <p:strVal val="#ppt_y"/>
+                                          </p:val>
+                                        </p:tav>
+                                      </p:tavLst>
+                                    </p:anim>
+                                  </p:childTnLst>
+                                </p:cTn>
+                              </p:par>
+                            </p:childTnLst>
+                          </p:cTn>
+                        </p:par>
+                      </p:childTnLst>
+                    </p:cTn>
+                  </p:par>
+                  <p:par>
+                    <p:cTn id="21" fill="hold">
+                      <p:stCondLst>
+                        <p:cond delay="indefinite"/>
+                      </p:stCondLst>
+                      <p:childTnLst>
+                        <p:par>
+                          <p:cTn id="22" fill="hold">
+                            <p:stCondLst>
+                              <p:cond delay="0"/>
+                            </p:stCondLst>
+                            <p:childTnLst>
+                              <p:par>
+                                <p:cTn id="23" presetID="2" presetClass="entr" presetSubtype="4" fill="hold" grpId="0" nodeType="clickEffect">
+                                  <p:stCondLst>
+                                    <p:cond delay="0"/>
+                                  </p:stCondLst>
+                                  <p:childTnLst>
+                                    <p:set>
+                                      <p:cBhvr>
+                                        <p:cTn id="24" dur="1" fill="hold">
+                                          <p:stCondLst>
+                                            <p:cond delay="0"/>
+                                          </p:stCondLst>
+                                        </p:cTn>
+                                        <p:tgtEl>
+                                          <p:spTgt spid="3">
+                                            <p:txEl>
+                                              <p:pRg st="3" end="3"/>
+                                            </p:txEl>
+                                          </p:spTgt>
+                                        </p:tgtEl>
+                                        <p:attrNameLst>
+                                          <p:attrName>style.visibility</p:attrName>
+                                        </p:attrNameLst>
+                                      </p:cBhvr>
+                                      <p:to>
+                                        <p:strVal val="visible"/>
+                                      </p:to>
+                                    </p:set>
+                                    <p:anim calcmode="lin" valueType="num">
+                                      <p:cBhvr additive="base">
+                                        <p:cTn id="25" dur="500" fill="hold"/>
+                                        <p:tgtEl>
+                                          <p:spTgt spid="3">
+                                            <p:txEl>
+                                              <p:pRg st="3" end="3"/>
+                                            </p:txEl>
+                                          </p:spTgt>
+                                        </p:tgtEl>
+                                        <p:attrNameLst>
+                                          <p:attrName>ppt_x</p:attrName>
+                                        </p:attrNameLst>
+                                      </p:cBhvr>
+                                      <p:tavLst>
+                                        <p:tav tm="0">
+                                          <p:val>
+                                            <p:strVal val="#ppt_x"/>
+                                          </p:val>
+                                        </p:tav>
+                                        <p:tav tm="100000">
+                                          <p:val>
+                                            <p:strVal val="#ppt_x"/>
+                                          </p:val>
+                                        </p:tav>
+                                      </p:tavLst>
+                                    </p:anim>
+                                    <p:anim calcmode="lin" valueType="num">
+                                      <p:cBhvr additive="base">
+                                        <p:cTn id="26" dur="500" fill="hold"/>
+                                        <p:tgtEl>
+                                          <p:spTgt spid="3">
+                                            <p:txEl>
+                                              <p:pRg st="3" end="3"/>
+                                            </p:txEl>
+                                          </p:spTgt>
+                                        </p:tgtEl>
+                                        <p:attrNameLst>
+                                          <p:attrName>ppt_y</p:attrName>
+                                        </p:attrNameLst>
+                                      </p:cBhvr>
+                                      <p:tavLst>
+                                        <p:tav tm="0">
+                                          <p:val>
+                                            <p:strVal val="1+#ppt_h/2"/>
+                                          </p:val>
+                                        </p:tav>
+                                        <p:tav tm="100000">
+                                          <p:val>
+                                            <p:strVal val="#ppt_y"/>
+                                          </p:val>
+                                        </p:tav>
+                                      </p:tavLst>
+                                    </p:anim>
+                                  </p:childTnLst>
+                                </p:cTn>
+                              </p:par>
+                            </p:childTnLst>
+                          </p:cTn>
+                        </p:par>
+                      </p:childTnLst>
+                    </p:cTn>
+                  </p:par>
+                </p:childTnLst>
+              </p:cTn>
+              <p:prevCondLst>
+                <p:cond evt="onPrev" delay="0">
+                  <p:tgtEl>
+                    <p:sldTgt/>
+                  </p:tgtEl>
+                </p:cond>
+              </p:prevCondLst>
+              <p:nextCondLst>
+                <p:cond evt="onNext" delay="0">
+                  <p:tgtEl>
+                    <p:sldTgt/>
+                  </p:tgtEl>
+                </p:cond>
+              </p:nextCondLst>
+            </p:seq>
+          </p:childTnLst>
+        </p:cTn>
+      </p:par>
+    </p:tnLst>
+    <p:bldLst>
+      <p:bldP spid="3" grpId="0" build="p"/>
+    </p:bldLst>
+  </p:timing>
 </p:sld>
 </file>
 
@@ -12837,7 +14036,7 @@
           <p:cNvPr id="2" name="Title 1">
             <a:extLst>
               <a:ext uri="{FF2B5EF4-FFF2-40B4-BE49-F238E27FC236}">
-                <a16:creationId xmlns:a16="http://schemas.microsoft.com/office/drawing/2014/main" id="{E282049C-AFB2-4D81-BF72-AC7AFE200C88}"/>
+                <a16:creationId xmlns:a16="http://schemas.microsoft.com/office/drawing/2014/main" xmlns="" id="{E282049C-AFB2-4D81-BF72-AC7AFE200C88}"/>
               </a:ext>
             </a:extLst>
           </p:cNvPr>
@@ -12854,27 +14053,39 @@
           <a:lstStyle/>
           <a:p>
             <a:r>
-              <a:rPr lang="en-GB" dirty="0"/>
-              <a:t>Insert picture of project working</a:t>
+              <a:rPr lang="en-GB" dirty="0" smtClean="0"/>
+              <a:t>Demo</a:t>
             </a:r>
+            <a:endParaRPr lang="en-GB" dirty="0"/>
+          </a:p>
+        </p:txBody>
+      </p:sp>
+      <p:sp>
+        <p:nvSpPr>
+          <p:cNvPr id="3" name="Content Placeholder 2"/>
+          <p:cNvSpPr>
+            <a:spLocks noGrp="1"/>
+          </p:cNvSpPr>
+          <p:nvPr>
+            <p:ph idx="1"/>
+          </p:nvPr>
+        </p:nvSpPr>
+        <p:spPr/>
+        <p:txBody>
+          <a:bodyPr/>
+          <a:lstStyle/>
+          <a:p>
+            <a:endParaRPr lang="en-GB" dirty="0"/>
           </a:p>
         </p:txBody>
       </p:sp>
       <p:pic>
         <p:nvPicPr>
-          <p:cNvPr id="5" name="Content Placeholder 4">
-            <a:extLst>
-              <a:ext uri="{FF2B5EF4-FFF2-40B4-BE49-F238E27FC236}">
-                <a16:creationId xmlns:a16="http://schemas.microsoft.com/office/drawing/2014/main" id="{CF18EEA6-75FC-400D-AE8A-2627890D4275}"/>
-              </a:ext>
-            </a:extLst>
-          </p:cNvPr>
+          <p:cNvPr id="1026" name="Picture 2"/>
           <p:cNvPicPr>
-            <a:picLocks noGrp="1" noChangeAspect="1"/>
+            <a:picLocks noChangeAspect="1" noChangeArrowheads="1"/>
           </p:cNvPicPr>
-          <p:nvPr>
-            <p:ph idx="1"/>
-          </p:nvPr>
+          <p:nvPr/>
         </p:nvPicPr>
         <p:blipFill>
           <a:blip r:embed="rId2">
@@ -12884,15 +14095,42 @@
               </a:ext>
             </a:extLst>
           </a:blip>
+          <a:srcRect/>
           <a:stretch>
             <a:fillRect/>
           </a:stretch>
         </p:blipFill>
-        <p:spPr>
+        <p:spPr bwMode="auto">
           <a:xfrm rot="16200000">
-            <a:off x="3994309" y="-299870"/>
-            <a:ext cx="4200208" cy="8640426"/>
+            <a:off x="3553968" y="1094232"/>
+            <a:ext cx="4572000" cy="6096000"/>
           </a:xfrm>
+          <a:prstGeom prst="rect">
+            <a:avLst/>
+          </a:prstGeom>
+          <a:noFill/>
+          <a:ln>
+            <a:noFill/>
+          </a:ln>
+          <a:extLst>
+            <a:ext uri="{909E8E84-426E-40DD-AFC4-6F175D3DCCD1}">
+              <a14:hiddenFill xmlns:a14="http://schemas.microsoft.com/office/drawing/2010/main">
+                <a:solidFill>
+                  <a:schemeClr val="accent1"/>
+                </a:solidFill>
+              </a14:hiddenFill>
+            </a:ext>
+            <a:ext uri="{91240B29-F687-4F45-9708-019B960494DF}">
+              <a14:hiddenLine xmlns:a14="http://schemas.microsoft.com/office/drawing/2010/main" w="9525">
+                <a:solidFill>
+                  <a:schemeClr val="tx1"/>
+                </a:solidFill>
+                <a:miter lim="800000"/>
+                <a:headEnd/>
+                <a:tailEnd/>
+              </a14:hiddenLine>
+            </a:ext>
+          </a:extLst>
         </p:spPr>
       </p:pic>
     </p:spTree>
@@ -12905,6 +14143,13 @@
   <p:clrMapOvr>
     <a:masterClrMapping/>
   </p:clrMapOvr>
+  <p:timing>
+    <p:tnLst>
+      <p:par>
+        <p:cTn id="1" dur="indefinite" restart="never" nodeType="tmRoot"/>
+      </p:par>
+    </p:tnLst>
+  </p:timing>
 </p:sld>
 </file>
 
@@ -12930,7 +14175,7 @@
           <p:cNvPr id="2" name="Title 1">
             <a:extLst>
               <a:ext uri="{FF2B5EF4-FFF2-40B4-BE49-F238E27FC236}">
-                <a16:creationId xmlns:a16="http://schemas.microsoft.com/office/drawing/2014/main" id="{0B39009D-FB82-491B-8672-EBC56BF12FB1}"/>
+                <a16:creationId xmlns:a16="http://schemas.microsoft.com/office/drawing/2014/main" xmlns="" id="{0B39009D-FB82-491B-8672-EBC56BF12FB1}"/>
               </a:ext>
             </a:extLst>
           </p:cNvPr>
@@ -12958,7 +14203,7 @@
           <p:cNvPr id="3" name="Content Placeholder 2">
             <a:extLst>
               <a:ext uri="{FF2B5EF4-FFF2-40B4-BE49-F238E27FC236}">
-                <a16:creationId xmlns:a16="http://schemas.microsoft.com/office/drawing/2014/main" id="{949E0DEE-1B37-4C48-9010-9BB9FC7481DF}"/>
+                <a16:creationId xmlns:a16="http://schemas.microsoft.com/office/drawing/2014/main" xmlns="" id="{949E0DEE-1B37-4C48-9010-9BB9FC7481DF}"/>
               </a:ext>
             </a:extLst>
           </p:cNvPr>
@@ -12974,7 +14219,27 @@
           <a:bodyPr/>
           <a:lstStyle/>
           <a:p>
-            <a:endParaRPr lang="en-GB"/>
+            <a:r>
+              <a:rPr lang="en-GB" dirty="0" smtClean="0"/>
+              <a:t>Group programming sessions</a:t>
+            </a:r>
+          </a:p>
+          <a:p>
+            <a:r>
+              <a:rPr lang="en-GB" dirty="0" smtClean="0"/>
+              <a:t>Group planning time before starting the programming</a:t>
+            </a:r>
+          </a:p>
+          <a:p>
+            <a:r>
+              <a:rPr lang="en-GB" dirty="0" smtClean="0"/>
+              <a:t>breakdown of tasks for fai</a:t>
+            </a:r>
+            <a:r>
+              <a:rPr lang="en-GB" dirty="0" smtClean="0"/>
+              <a:t>r allocation of work</a:t>
+            </a:r>
+            <a:endParaRPr lang="en-GB" dirty="0"/>
           </a:p>
         </p:txBody>
       </p:sp>
@@ -12988,6 +14253,348 @@
   <p:clrMapOvr>
     <a:masterClrMapping/>
   </p:clrMapOvr>
+  <p:timing>
+    <p:tnLst>
+      <p:par>
+        <p:cTn id="1" dur="indefinite" restart="never" nodeType="tmRoot">
+          <p:childTnLst>
+            <p:seq concurrent="1" nextAc="seek">
+              <p:cTn id="2" dur="indefinite" nodeType="mainSeq">
+                <p:childTnLst>
+                  <p:par>
+                    <p:cTn id="3" fill="hold">
+                      <p:stCondLst>
+                        <p:cond delay="indefinite"/>
+                      </p:stCondLst>
+                      <p:childTnLst>
+                        <p:par>
+                          <p:cTn id="4" fill="hold">
+                            <p:stCondLst>
+                              <p:cond delay="0"/>
+                            </p:stCondLst>
+                            <p:childTnLst>
+                              <p:par>
+                                <p:cTn id="5" presetID="2" presetClass="entr" presetSubtype="4" fill="hold" grpId="0" nodeType="clickEffect">
+                                  <p:stCondLst>
+                                    <p:cond delay="0"/>
+                                  </p:stCondLst>
+                                  <p:childTnLst>
+                                    <p:set>
+                                      <p:cBhvr>
+                                        <p:cTn id="6" dur="1" fill="hold">
+                                          <p:stCondLst>
+                                            <p:cond delay="0"/>
+                                          </p:stCondLst>
+                                        </p:cTn>
+                                        <p:tgtEl>
+                                          <p:spTgt spid="3">
+                                            <p:txEl>
+                                              <p:pRg st="0" end="0"/>
+                                            </p:txEl>
+                                          </p:spTgt>
+                                        </p:tgtEl>
+                                        <p:attrNameLst>
+                                          <p:attrName>style.visibility</p:attrName>
+                                        </p:attrNameLst>
+                                      </p:cBhvr>
+                                      <p:to>
+                                        <p:strVal val="visible"/>
+                                      </p:to>
+                                    </p:set>
+                                    <p:anim calcmode="lin" valueType="num">
+                                      <p:cBhvr additive="base">
+                                        <p:cTn id="7" dur="500" fill="hold"/>
+                                        <p:tgtEl>
+                                          <p:spTgt spid="3">
+                                            <p:txEl>
+                                              <p:pRg st="0" end="0"/>
+                                            </p:txEl>
+                                          </p:spTgt>
+                                        </p:tgtEl>
+                                        <p:attrNameLst>
+                                          <p:attrName>ppt_x</p:attrName>
+                                        </p:attrNameLst>
+                                      </p:cBhvr>
+                                      <p:tavLst>
+                                        <p:tav tm="0">
+                                          <p:val>
+                                            <p:strVal val="#ppt_x"/>
+                                          </p:val>
+                                        </p:tav>
+                                        <p:tav tm="100000">
+                                          <p:val>
+                                            <p:strVal val="#ppt_x"/>
+                                          </p:val>
+                                        </p:tav>
+                                      </p:tavLst>
+                                    </p:anim>
+                                    <p:anim calcmode="lin" valueType="num">
+                                      <p:cBhvr additive="base">
+                                        <p:cTn id="8" dur="500" fill="hold"/>
+                                        <p:tgtEl>
+                                          <p:spTgt spid="3">
+                                            <p:txEl>
+                                              <p:pRg st="0" end="0"/>
+                                            </p:txEl>
+                                          </p:spTgt>
+                                        </p:tgtEl>
+                                        <p:attrNameLst>
+                                          <p:attrName>ppt_y</p:attrName>
+                                        </p:attrNameLst>
+                                      </p:cBhvr>
+                                      <p:tavLst>
+                                        <p:tav tm="0">
+                                          <p:val>
+                                            <p:strVal val="1+#ppt_h/2"/>
+                                          </p:val>
+                                        </p:tav>
+                                        <p:tav tm="100000">
+                                          <p:val>
+                                            <p:strVal val="#ppt_y"/>
+                                          </p:val>
+                                        </p:tav>
+                                      </p:tavLst>
+                                    </p:anim>
+                                  </p:childTnLst>
+                                </p:cTn>
+                              </p:par>
+                            </p:childTnLst>
+                          </p:cTn>
+                        </p:par>
+                      </p:childTnLst>
+                    </p:cTn>
+                  </p:par>
+                  <p:par>
+                    <p:cTn id="9" fill="hold">
+                      <p:stCondLst>
+                        <p:cond delay="indefinite"/>
+                      </p:stCondLst>
+                      <p:childTnLst>
+                        <p:par>
+                          <p:cTn id="10" fill="hold">
+                            <p:stCondLst>
+                              <p:cond delay="0"/>
+                            </p:stCondLst>
+                            <p:childTnLst>
+                              <p:par>
+                                <p:cTn id="11" presetID="2" presetClass="entr" presetSubtype="4" fill="hold" grpId="0" nodeType="clickEffect">
+                                  <p:stCondLst>
+                                    <p:cond delay="0"/>
+                                  </p:stCondLst>
+                                  <p:childTnLst>
+                                    <p:set>
+                                      <p:cBhvr>
+                                        <p:cTn id="12" dur="1" fill="hold">
+                                          <p:stCondLst>
+                                            <p:cond delay="0"/>
+                                          </p:stCondLst>
+                                        </p:cTn>
+                                        <p:tgtEl>
+                                          <p:spTgt spid="3">
+                                            <p:txEl>
+                                              <p:pRg st="1" end="1"/>
+                                            </p:txEl>
+                                          </p:spTgt>
+                                        </p:tgtEl>
+                                        <p:attrNameLst>
+                                          <p:attrName>style.visibility</p:attrName>
+                                        </p:attrNameLst>
+                                      </p:cBhvr>
+                                      <p:to>
+                                        <p:strVal val="visible"/>
+                                      </p:to>
+                                    </p:set>
+                                    <p:anim calcmode="lin" valueType="num">
+                                      <p:cBhvr additive="base">
+                                        <p:cTn id="13" dur="500" fill="hold"/>
+                                        <p:tgtEl>
+                                          <p:spTgt spid="3">
+                                            <p:txEl>
+                                              <p:pRg st="1" end="1"/>
+                                            </p:txEl>
+                                          </p:spTgt>
+                                        </p:tgtEl>
+                                        <p:attrNameLst>
+                                          <p:attrName>ppt_x</p:attrName>
+                                        </p:attrNameLst>
+                                      </p:cBhvr>
+                                      <p:tavLst>
+                                        <p:tav tm="0">
+                                          <p:val>
+                                            <p:strVal val="#ppt_x"/>
+                                          </p:val>
+                                        </p:tav>
+                                        <p:tav tm="100000">
+                                          <p:val>
+                                            <p:strVal val="#ppt_x"/>
+                                          </p:val>
+                                        </p:tav>
+                                      </p:tavLst>
+                                    </p:anim>
+                                    <p:anim calcmode="lin" valueType="num">
+                                      <p:cBhvr additive="base">
+                                        <p:cTn id="14" dur="500" fill="hold"/>
+                                        <p:tgtEl>
+                                          <p:spTgt spid="3">
+                                            <p:txEl>
+                                              <p:pRg st="1" end="1"/>
+                                            </p:txEl>
+                                          </p:spTgt>
+                                        </p:tgtEl>
+                                        <p:attrNameLst>
+                                          <p:attrName>ppt_y</p:attrName>
+                                        </p:attrNameLst>
+                                      </p:cBhvr>
+                                      <p:tavLst>
+                                        <p:tav tm="0">
+                                          <p:val>
+                                            <p:strVal val="1+#ppt_h/2"/>
+                                          </p:val>
+                                        </p:tav>
+                                        <p:tav tm="100000">
+                                          <p:val>
+                                            <p:strVal val="#ppt_y"/>
+                                          </p:val>
+                                        </p:tav>
+                                      </p:tavLst>
+                                    </p:anim>
+                                  </p:childTnLst>
+                                </p:cTn>
+                              </p:par>
+                            </p:childTnLst>
+                          </p:cTn>
+                        </p:par>
+                      </p:childTnLst>
+                    </p:cTn>
+                  </p:par>
+                  <p:par>
+                    <p:cTn id="15" fill="hold">
+                      <p:stCondLst>
+                        <p:cond delay="indefinite"/>
+                      </p:stCondLst>
+                      <p:childTnLst>
+                        <p:par>
+                          <p:cTn id="16" fill="hold">
+                            <p:stCondLst>
+                              <p:cond delay="0"/>
+                            </p:stCondLst>
+                            <p:childTnLst>
+                              <p:par>
+                                <p:cTn id="17" presetID="2" presetClass="entr" presetSubtype="4" fill="hold" grpId="0" nodeType="clickEffect">
+                                  <p:stCondLst>
+                                    <p:cond delay="0"/>
+                                  </p:stCondLst>
+                                  <p:childTnLst>
+                                    <p:set>
+                                      <p:cBhvr>
+                                        <p:cTn id="18" dur="1" fill="hold">
+                                          <p:stCondLst>
+                                            <p:cond delay="0"/>
+                                          </p:stCondLst>
+                                        </p:cTn>
+                                        <p:tgtEl>
+                                          <p:spTgt spid="3">
+                                            <p:txEl>
+                                              <p:pRg st="2" end="2"/>
+                                            </p:txEl>
+                                          </p:spTgt>
+                                        </p:tgtEl>
+                                        <p:attrNameLst>
+                                          <p:attrName>style.visibility</p:attrName>
+                                        </p:attrNameLst>
+                                      </p:cBhvr>
+                                      <p:to>
+                                        <p:strVal val="visible"/>
+                                      </p:to>
+                                    </p:set>
+                                    <p:anim calcmode="lin" valueType="num">
+                                      <p:cBhvr additive="base">
+                                        <p:cTn id="19" dur="500" fill="hold"/>
+                                        <p:tgtEl>
+                                          <p:spTgt spid="3">
+                                            <p:txEl>
+                                              <p:pRg st="2" end="2"/>
+                                            </p:txEl>
+                                          </p:spTgt>
+                                        </p:tgtEl>
+                                        <p:attrNameLst>
+                                          <p:attrName>ppt_x</p:attrName>
+                                        </p:attrNameLst>
+                                      </p:cBhvr>
+                                      <p:tavLst>
+                                        <p:tav tm="0">
+                                          <p:val>
+                                            <p:strVal val="#ppt_x"/>
+                                          </p:val>
+                                        </p:tav>
+                                        <p:tav tm="100000">
+                                          <p:val>
+                                            <p:strVal val="#ppt_x"/>
+                                          </p:val>
+                                        </p:tav>
+                                      </p:tavLst>
+                                    </p:anim>
+                                    <p:anim calcmode="lin" valueType="num">
+                                      <p:cBhvr additive="base">
+                                        <p:cTn id="20" dur="500" fill="hold"/>
+                                        <p:tgtEl>
+                                          <p:spTgt spid="3">
+                                            <p:txEl>
+                                              <p:pRg st="2" end="2"/>
+                                            </p:txEl>
+                                          </p:spTgt>
+                                        </p:tgtEl>
+                                        <p:attrNameLst>
+                                          <p:attrName>ppt_y</p:attrName>
+                                        </p:attrNameLst>
+                                      </p:cBhvr>
+                                      <p:tavLst>
+                                        <p:tav tm="0">
+                                          <p:val>
+                                            <p:strVal val="1+#ppt_h/2"/>
+                                          </p:val>
+                                        </p:tav>
+                                        <p:tav tm="100000">
+                                          <p:val>
+                                            <p:strVal val="#ppt_y"/>
+                                          </p:val>
+                                        </p:tav>
+                                      </p:tavLst>
+                                    </p:anim>
+                                  </p:childTnLst>
+                                </p:cTn>
+                              </p:par>
+                            </p:childTnLst>
+                          </p:cTn>
+                        </p:par>
+                      </p:childTnLst>
+                    </p:cTn>
+                  </p:par>
+                </p:childTnLst>
+              </p:cTn>
+              <p:prevCondLst>
+                <p:cond evt="onPrev" delay="0">
+                  <p:tgtEl>
+                    <p:sldTgt/>
+                  </p:tgtEl>
+                </p:cond>
+              </p:prevCondLst>
+              <p:nextCondLst>
+                <p:cond evt="onNext" delay="0">
+                  <p:tgtEl>
+                    <p:sldTgt/>
+                  </p:tgtEl>
+                </p:cond>
+              </p:nextCondLst>
+            </p:seq>
+          </p:childTnLst>
+        </p:cTn>
+      </p:par>
+    </p:tnLst>
+    <p:bldLst>
+      <p:bldP spid="3" grpId="0" build="p"/>
+    </p:bldLst>
+  </p:timing>
 </p:sld>
 </file>
 
@@ -13013,7 +14620,7 @@
           <p:cNvPr id="2" name="Title 1">
             <a:extLst>
               <a:ext uri="{FF2B5EF4-FFF2-40B4-BE49-F238E27FC236}">
-                <a16:creationId xmlns:a16="http://schemas.microsoft.com/office/drawing/2014/main" id="{E491A6FE-E98E-494F-B647-DA347583D875}"/>
+                <a16:creationId xmlns:a16="http://schemas.microsoft.com/office/drawing/2014/main" xmlns="" id="{E491A6FE-E98E-494F-B647-DA347583D875}"/>
               </a:ext>
             </a:extLst>
           </p:cNvPr>
@@ -13041,7 +14648,7 @@
           <p:cNvPr id="3" name="Content Placeholder 2">
             <a:extLst>
               <a:ext uri="{FF2B5EF4-FFF2-40B4-BE49-F238E27FC236}">
-                <a16:creationId xmlns:a16="http://schemas.microsoft.com/office/drawing/2014/main" id="{7EB035AD-6838-4773-B9C6-6ABA0EA04D35}"/>
+                <a16:creationId xmlns:a16="http://schemas.microsoft.com/office/drawing/2014/main" xmlns="" id="{7EB035AD-6838-4773-B9C6-6ABA0EA04D35}"/>
               </a:ext>
             </a:extLst>
           </p:cNvPr>
@@ -13057,10 +14664,48 @@
           <a:bodyPr/>
           <a:lstStyle/>
           <a:p>
+            <a:pPr>
+              <a:spcBef>
+                <a:spcPts val="0"/>
+              </a:spcBef>
+            </a:pPr>
             <a:r>
               <a:rPr lang="en-GB" dirty="0"/>
-              <a:t>Hand it in on time (not entirely our fault)</a:t>
+              <a:t>Logging of system data with time (so as to allow time histories of temperature and light levels)</a:t>
             </a:r>
+          </a:p>
+          <a:p>
+            <a:pPr>
+              <a:spcBef>
+                <a:spcPts val="0"/>
+              </a:spcBef>
+            </a:pPr>
+            <a:r>
+              <a:rPr lang="en-GB" dirty="0"/>
+              <a:t>Intelligent monitoring systems to switch lights and heating off in unoccupied areas</a:t>
+            </a:r>
+          </a:p>
+          <a:p>
+            <a:pPr>
+              <a:spcBef>
+                <a:spcPts val="0"/>
+              </a:spcBef>
+            </a:pPr>
+            <a:r>
+              <a:rPr lang="en-GB" dirty="0"/>
+              <a:t>Wireless communication between different units (e.g. between an entry unit and a room unit)</a:t>
+            </a:r>
+          </a:p>
+          <a:p>
+            <a:r>
+              <a:rPr lang="en-GB" dirty="0"/>
+              <a:t>A</a:t>
+            </a:r>
+            <a:r>
+              <a:rPr lang="en-GB" dirty="0" smtClean="0"/>
+              <a:t>ccess control</a:t>
+            </a:r>
+            <a:endParaRPr lang="en-GB" dirty="0"/>
           </a:p>
         </p:txBody>
       </p:sp>
@@ -13074,6 +14719,451 @@
   <p:clrMapOvr>
     <a:masterClrMapping/>
   </p:clrMapOvr>
+  <p:timing>
+    <p:tnLst>
+      <p:par>
+        <p:cTn id="1" dur="indefinite" restart="never" nodeType="tmRoot">
+          <p:childTnLst>
+            <p:seq concurrent="1" nextAc="seek">
+              <p:cTn id="2" dur="indefinite" nodeType="mainSeq">
+                <p:childTnLst>
+                  <p:par>
+                    <p:cTn id="3" fill="hold">
+                      <p:stCondLst>
+                        <p:cond delay="indefinite"/>
+                      </p:stCondLst>
+                      <p:childTnLst>
+                        <p:par>
+                          <p:cTn id="4" fill="hold">
+                            <p:stCondLst>
+                              <p:cond delay="0"/>
+                            </p:stCondLst>
+                            <p:childTnLst>
+                              <p:par>
+                                <p:cTn id="5" presetID="2" presetClass="entr" presetSubtype="4" fill="hold" grpId="0" nodeType="clickEffect">
+                                  <p:stCondLst>
+                                    <p:cond delay="0"/>
+                                  </p:stCondLst>
+                                  <p:childTnLst>
+                                    <p:set>
+                                      <p:cBhvr>
+                                        <p:cTn id="6" dur="1" fill="hold">
+                                          <p:stCondLst>
+                                            <p:cond delay="0"/>
+                                          </p:stCondLst>
+                                        </p:cTn>
+                                        <p:tgtEl>
+                                          <p:spTgt spid="3">
+                                            <p:txEl>
+                                              <p:pRg st="0" end="0"/>
+                                            </p:txEl>
+                                          </p:spTgt>
+                                        </p:tgtEl>
+                                        <p:attrNameLst>
+                                          <p:attrName>style.visibility</p:attrName>
+                                        </p:attrNameLst>
+                                      </p:cBhvr>
+                                      <p:to>
+                                        <p:strVal val="visible"/>
+                                      </p:to>
+                                    </p:set>
+                                    <p:anim calcmode="lin" valueType="num">
+                                      <p:cBhvr additive="base">
+                                        <p:cTn id="7" dur="500" fill="hold"/>
+                                        <p:tgtEl>
+                                          <p:spTgt spid="3">
+                                            <p:txEl>
+                                              <p:pRg st="0" end="0"/>
+                                            </p:txEl>
+                                          </p:spTgt>
+                                        </p:tgtEl>
+                                        <p:attrNameLst>
+                                          <p:attrName>ppt_x</p:attrName>
+                                        </p:attrNameLst>
+                                      </p:cBhvr>
+                                      <p:tavLst>
+                                        <p:tav tm="0">
+                                          <p:val>
+                                            <p:strVal val="#ppt_x"/>
+                                          </p:val>
+                                        </p:tav>
+                                        <p:tav tm="100000">
+                                          <p:val>
+                                            <p:strVal val="#ppt_x"/>
+                                          </p:val>
+                                        </p:tav>
+                                      </p:tavLst>
+                                    </p:anim>
+                                    <p:anim calcmode="lin" valueType="num">
+                                      <p:cBhvr additive="base">
+                                        <p:cTn id="8" dur="500" fill="hold"/>
+                                        <p:tgtEl>
+                                          <p:spTgt spid="3">
+                                            <p:txEl>
+                                              <p:pRg st="0" end="0"/>
+                                            </p:txEl>
+                                          </p:spTgt>
+                                        </p:tgtEl>
+                                        <p:attrNameLst>
+                                          <p:attrName>ppt_y</p:attrName>
+                                        </p:attrNameLst>
+                                      </p:cBhvr>
+                                      <p:tavLst>
+                                        <p:tav tm="0">
+                                          <p:val>
+                                            <p:strVal val="1+#ppt_h/2"/>
+                                          </p:val>
+                                        </p:tav>
+                                        <p:tav tm="100000">
+                                          <p:val>
+                                            <p:strVal val="#ppt_y"/>
+                                          </p:val>
+                                        </p:tav>
+                                      </p:tavLst>
+                                    </p:anim>
+                                  </p:childTnLst>
+                                </p:cTn>
+                              </p:par>
+                            </p:childTnLst>
+                          </p:cTn>
+                        </p:par>
+                      </p:childTnLst>
+                    </p:cTn>
+                  </p:par>
+                  <p:par>
+                    <p:cTn id="9" fill="hold">
+                      <p:stCondLst>
+                        <p:cond delay="indefinite"/>
+                      </p:stCondLst>
+                      <p:childTnLst>
+                        <p:par>
+                          <p:cTn id="10" fill="hold">
+                            <p:stCondLst>
+                              <p:cond delay="0"/>
+                            </p:stCondLst>
+                            <p:childTnLst>
+                              <p:par>
+                                <p:cTn id="11" presetID="2" presetClass="entr" presetSubtype="4" fill="hold" grpId="0" nodeType="clickEffect">
+                                  <p:stCondLst>
+                                    <p:cond delay="0"/>
+                                  </p:stCondLst>
+                                  <p:childTnLst>
+                                    <p:set>
+                                      <p:cBhvr>
+                                        <p:cTn id="12" dur="1" fill="hold">
+                                          <p:stCondLst>
+                                            <p:cond delay="0"/>
+                                          </p:stCondLst>
+                                        </p:cTn>
+                                        <p:tgtEl>
+                                          <p:spTgt spid="3">
+                                            <p:txEl>
+                                              <p:pRg st="1" end="1"/>
+                                            </p:txEl>
+                                          </p:spTgt>
+                                        </p:tgtEl>
+                                        <p:attrNameLst>
+                                          <p:attrName>style.visibility</p:attrName>
+                                        </p:attrNameLst>
+                                      </p:cBhvr>
+                                      <p:to>
+                                        <p:strVal val="visible"/>
+                                      </p:to>
+                                    </p:set>
+                                    <p:anim calcmode="lin" valueType="num">
+                                      <p:cBhvr additive="base">
+                                        <p:cTn id="13" dur="500" fill="hold"/>
+                                        <p:tgtEl>
+                                          <p:spTgt spid="3">
+                                            <p:txEl>
+                                              <p:pRg st="1" end="1"/>
+                                            </p:txEl>
+                                          </p:spTgt>
+                                        </p:tgtEl>
+                                        <p:attrNameLst>
+                                          <p:attrName>ppt_x</p:attrName>
+                                        </p:attrNameLst>
+                                      </p:cBhvr>
+                                      <p:tavLst>
+                                        <p:tav tm="0">
+                                          <p:val>
+                                            <p:strVal val="#ppt_x"/>
+                                          </p:val>
+                                        </p:tav>
+                                        <p:tav tm="100000">
+                                          <p:val>
+                                            <p:strVal val="#ppt_x"/>
+                                          </p:val>
+                                        </p:tav>
+                                      </p:tavLst>
+                                    </p:anim>
+                                    <p:anim calcmode="lin" valueType="num">
+                                      <p:cBhvr additive="base">
+                                        <p:cTn id="14" dur="500" fill="hold"/>
+                                        <p:tgtEl>
+                                          <p:spTgt spid="3">
+                                            <p:txEl>
+                                              <p:pRg st="1" end="1"/>
+                                            </p:txEl>
+                                          </p:spTgt>
+                                        </p:tgtEl>
+                                        <p:attrNameLst>
+                                          <p:attrName>ppt_y</p:attrName>
+                                        </p:attrNameLst>
+                                      </p:cBhvr>
+                                      <p:tavLst>
+                                        <p:tav tm="0">
+                                          <p:val>
+                                            <p:strVal val="1+#ppt_h/2"/>
+                                          </p:val>
+                                        </p:tav>
+                                        <p:tav tm="100000">
+                                          <p:val>
+                                            <p:strVal val="#ppt_y"/>
+                                          </p:val>
+                                        </p:tav>
+                                      </p:tavLst>
+                                    </p:anim>
+                                  </p:childTnLst>
+                                </p:cTn>
+                              </p:par>
+                            </p:childTnLst>
+                          </p:cTn>
+                        </p:par>
+                      </p:childTnLst>
+                    </p:cTn>
+                  </p:par>
+                  <p:par>
+                    <p:cTn id="15" fill="hold">
+                      <p:stCondLst>
+                        <p:cond delay="indefinite"/>
+                      </p:stCondLst>
+                      <p:childTnLst>
+                        <p:par>
+                          <p:cTn id="16" fill="hold">
+                            <p:stCondLst>
+                              <p:cond delay="0"/>
+                            </p:stCondLst>
+                            <p:childTnLst>
+                              <p:par>
+                                <p:cTn id="17" presetID="2" presetClass="entr" presetSubtype="4" fill="hold" grpId="0" nodeType="clickEffect">
+                                  <p:stCondLst>
+                                    <p:cond delay="0"/>
+                                  </p:stCondLst>
+                                  <p:childTnLst>
+                                    <p:set>
+                                      <p:cBhvr>
+                                        <p:cTn id="18" dur="1" fill="hold">
+                                          <p:stCondLst>
+                                            <p:cond delay="0"/>
+                                          </p:stCondLst>
+                                        </p:cTn>
+                                        <p:tgtEl>
+                                          <p:spTgt spid="3">
+                                            <p:txEl>
+                                              <p:pRg st="2" end="2"/>
+                                            </p:txEl>
+                                          </p:spTgt>
+                                        </p:tgtEl>
+                                        <p:attrNameLst>
+                                          <p:attrName>style.visibility</p:attrName>
+                                        </p:attrNameLst>
+                                      </p:cBhvr>
+                                      <p:to>
+                                        <p:strVal val="visible"/>
+                                      </p:to>
+                                    </p:set>
+                                    <p:anim calcmode="lin" valueType="num">
+                                      <p:cBhvr additive="base">
+                                        <p:cTn id="19" dur="500" fill="hold"/>
+                                        <p:tgtEl>
+                                          <p:spTgt spid="3">
+                                            <p:txEl>
+                                              <p:pRg st="2" end="2"/>
+                                            </p:txEl>
+                                          </p:spTgt>
+                                        </p:tgtEl>
+                                        <p:attrNameLst>
+                                          <p:attrName>ppt_x</p:attrName>
+                                        </p:attrNameLst>
+                                      </p:cBhvr>
+                                      <p:tavLst>
+                                        <p:tav tm="0">
+                                          <p:val>
+                                            <p:strVal val="#ppt_x"/>
+                                          </p:val>
+                                        </p:tav>
+                                        <p:tav tm="100000">
+                                          <p:val>
+                                            <p:strVal val="#ppt_x"/>
+                                          </p:val>
+                                        </p:tav>
+                                      </p:tavLst>
+                                    </p:anim>
+                                    <p:anim calcmode="lin" valueType="num">
+                                      <p:cBhvr additive="base">
+                                        <p:cTn id="20" dur="500" fill="hold"/>
+                                        <p:tgtEl>
+                                          <p:spTgt spid="3">
+                                            <p:txEl>
+                                              <p:pRg st="2" end="2"/>
+                                            </p:txEl>
+                                          </p:spTgt>
+                                        </p:tgtEl>
+                                        <p:attrNameLst>
+                                          <p:attrName>ppt_y</p:attrName>
+                                        </p:attrNameLst>
+                                      </p:cBhvr>
+                                      <p:tavLst>
+                                        <p:tav tm="0">
+                                          <p:val>
+                                            <p:strVal val="1+#ppt_h/2"/>
+                                          </p:val>
+                                        </p:tav>
+                                        <p:tav tm="100000">
+                                          <p:val>
+                                            <p:strVal val="#ppt_y"/>
+                                          </p:val>
+                                        </p:tav>
+                                      </p:tavLst>
+                                    </p:anim>
+                                  </p:childTnLst>
+                                </p:cTn>
+                              </p:par>
+                            </p:childTnLst>
+                          </p:cTn>
+                        </p:par>
+                      </p:childTnLst>
+                    </p:cTn>
+                  </p:par>
+                  <p:par>
+                    <p:cTn id="21" fill="hold">
+                      <p:stCondLst>
+                        <p:cond delay="indefinite"/>
+                      </p:stCondLst>
+                      <p:childTnLst>
+                        <p:par>
+                          <p:cTn id="22" fill="hold">
+                            <p:stCondLst>
+                              <p:cond delay="0"/>
+                            </p:stCondLst>
+                            <p:childTnLst>
+                              <p:par>
+                                <p:cTn id="23" presetID="2" presetClass="entr" presetSubtype="4" fill="hold" grpId="0" nodeType="clickEffect">
+                                  <p:stCondLst>
+                                    <p:cond delay="0"/>
+                                  </p:stCondLst>
+                                  <p:childTnLst>
+                                    <p:set>
+                                      <p:cBhvr>
+                                        <p:cTn id="24" dur="1" fill="hold">
+                                          <p:stCondLst>
+                                            <p:cond delay="0"/>
+                                          </p:stCondLst>
+                                        </p:cTn>
+                                        <p:tgtEl>
+                                          <p:spTgt spid="3">
+                                            <p:txEl>
+                                              <p:pRg st="3" end="3"/>
+                                            </p:txEl>
+                                          </p:spTgt>
+                                        </p:tgtEl>
+                                        <p:attrNameLst>
+                                          <p:attrName>style.visibility</p:attrName>
+                                        </p:attrNameLst>
+                                      </p:cBhvr>
+                                      <p:to>
+                                        <p:strVal val="visible"/>
+                                      </p:to>
+                                    </p:set>
+                                    <p:anim calcmode="lin" valueType="num">
+                                      <p:cBhvr additive="base">
+                                        <p:cTn id="25" dur="500" fill="hold"/>
+                                        <p:tgtEl>
+                                          <p:spTgt spid="3">
+                                            <p:txEl>
+                                              <p:pRg st="3" end="3"/>
+                                            </p:txEl>
+                                          </p:spTgt>
+                                        </p:tgtEl>
+                                        <p:attrNameLst>
+                                          <p:attrName>ppt_x</p:attrName>
+                                        </p:attrNameLst>
+                                      </p:cBhvr>
+                                      <p:tavLst>
+                                        <p:tav tm="0">
+                                          <p:val>
+                                            <p:strVal val="#ppt_x"/>
+                                          </p:val>
+                                        </p:tav>
+                                        <p:tav tm="100000">
+                                          <p:val>
+                                            <p:strVal val="#ppt_x"/>
+                                          </p:val>
+                                        </p:tav>
+                                      </p:tavLst>
+                                    </p:anim>
+                                    <p:anim calcmode="lin" valueType="num">
+                                      <p:cBhvr additive="base">
+                                        <p:cTn id="26" dur="500" fill="hold"/>
+                                        <p:tgtEl>
+                                          <p:spTgt spid="3">
+                                            <p:txEl>
+                                              <p:pRg st="3" end="3"/>
+                                            </p:txEl>
+                                          </p:spTgt>
+                                        </p:tgtEl>
+                                        <p:attrNameLst>
+                                          <p:attrName>ppt_y</p:attrName>
+                                        </p:attrNameLst>
+                                      </p:cBhvr>
+                                      <p:tavLst>
+                                        <p:tav tm="0">
+                                          <p:val>
+                                            <p:strVal val="1+#ppt_h/2"/>
+                                          </p:val>
+                                        </p:tav>
+                                        <p:tav tm="100000">
+                                          <p:val>
+                                            <p:strVal val="#ppt_y"/>
+                                          </p:val>
+                                        </p:tav>
+                                      </p:tavLst>
+                                    </p:anim>
+                                  </p:childTnLst>
+                                </p:cTn>
+                              </p:par>
+                            </p:childTnLst>
+                          </p:cTn>
+                        </p:par>
+                      </p:childTnLst>
+                    </p:cTn>
+                  </p:par>
+                </p:childTnLst>
+              </p:cTn>
+              <p:prevCondLst>
+                <p:cond evt="onPrev" delay="0">
+                  <p:tgtEl>
+                    <p:sldTgt/>
+                  </p:tgtEl>
+                </p:cond>
+              </p:prevCondLst>
+              <p:nextCondLst>
+                <p:cond evt="onNext" delay="0">
+                  <p:tgtEl>
+                    <p:sldTgt/>
+                  </p:tgtEl>
+                </p:cond>
+              </p:nextCondLst>
+            </p:seq>
+          </p:childTnLst>
+        </p:cTn>
+      </p:par>
+    </p:tnLst>
+    <p:bldLst>
+      <p:bldP spid="3" grpId="0" build="p"/>
+    </p:bldLst>
+  </p:timing>
 </p:sld>
 </file>
 
@@ -13099,7 +15189,7 @@
           <p:cNvPr id="2" name="Title 1">
             <a:extLst>
               <a:ext uri="{FF2B5EF4-FFF2-40B4-BE49-F238E27FC236}">
-                <a16:creationId xmlns:a16="http://schemas.microsoft.com/office/drawing/2014/main" id="{5DCD0ADD-AC8A-4C18-AC24-373E1A95995A}"/>
+                <a16:creationId xmlns:a16="http://schemas.microsoft.com/office/drawing/2014/main" xmlns="" id="{5DCD0ADD-AC8A-4C18-AC24-373E1A95995A}"/>
               </a:ext>
             </a:extLst>
           </p:cNvPr>
@@ -13110,40 +15200,21 @@
             <p:ph type="title"/>
           </p:nvPr>
         </p:nvSpPr>
-        <p:spPr/>
+        <p:spPr>
+          <a:xfrm>
+            <a:off x="1159701" y="2758214"/>
+            <a:ext cx="9905998" cy="1478570"/>
+          </a:xfrm>
+        </p:spPr>
         <p:txBody>
           <a:bodyPr/>
           <a:lstStyle/>
           <a:p>
             <a:r>
-              <a:rPr lang="en-GB" dirty="0"/>
-              <a:t>Conclusions</a:t>
+              <a:rPr lang="en-GB" dirty="0" smtClean="0"/>
+              <a:t>Any Questions</a:t>
             </a:r>
-          </a:p>
-        </p:txBody>
-      </p:sp>
-      <p:sp>
-        <p:nvSpPr>
-          <p:cNvPr id="3" name="Content Placeholder 2">
-            <a:extLst>
-              <a:ext uri="{FF2B5EF4-FFF2-40B4-BE49-F238E27FC236}">
-                <a16:creationId xmlns:a16="http://schemas.microsoft.com/office/drawing/2014/main" id="{C4099665-A61F-4273-9C45-785114E62108}"/>
-              </a:ext>
-            </a:extLst>
-          </p:cNvPr>
-          <p:cNvSpPr>
-            <a:spLocks noGrp="1"/>
-          </p:cNvSpPr>
-          <p:nvPr>
-            <p:ph idx="1"/>
-          </p:nvPr>
-        </p:nvSpPr>
-        <p:spPr/>
-        <p:txBody>
-          <a:bodyPr/>
-          <a:lstStyle/>
-          <a:p>
-            <a:endParaRPr lang="en-GB"/>
+            <a:endParaRPr lang="en-GB" dirty="0"/>
           </a:p>
         </p:txBody>
       </p:sp>
@@ -13157,6 +15228,13 @@
   <p:clrMapOvr>
     <a:masterClrMapping/>
   </p:clrMapOvr>
+  <p:timing>
+    <p:tnLst>
+      <p:par>
+        <p:cTn id="1" dur="indefinite" restart="never" nodeType="tmRoot"/>
+      </p:par>
+    </p:tnLst>
+  </p:timing>
 </p:sld>
 </file>
 
@@ -13405,7 +15483,7 @@
   <a:extraClrSchemeLst/>
   <a:extLst>
     <a:ext uri="{05A4C25C-085E-4340-85A3-A5531E510DB2}">
-      <thm15:themeFamily xmlns:thm15="http://schemas.microsoft.com/office/thememl/2012/main" name="Circuit" id="{0AC2F7E7-15F5-431C-B2A2-456FE929F56C}" vid="{0911B802-464C-4241-8DD9-B60FF88E379F}"/>
+      <thm15:themeFamily xmlns:thm15="http://schemas.microsoft.com/office/thememl/2012/main" xmlns="" name="Circuit" id="{0AC2F7E7-15F5-431C-B2A2-456FE929F56C}" vid="{0911B802-464C-4241-8DD9-B60FF88E379F}"/>
     </a:ext>
   </a:extLst>
 </a:theme>
